--- a/Github 강의.pptx
+++ b/Github 강의.pptx
@@ -5,7 +5,7 @@
     <p:sldMasterId id="2147483648" r:id="rId1"/>
   </p:sldMasterIdLst>
   <p:notesMasterIdLst>
-    <p:notesMasterId r:id="rId18"/>
+    <p:notesMasterId r:id="rId25"/>
   </p:notesMasterIdLst>
   <p:sldIdLst>
     <p:sldId id="256" r:id="rId2"/>
@@ -23,7 +23,14 @@
     <p:sldId id="281" r:id="rId14"/>
     <p:sldId id="282" r:id="rId15"/>
     <p:sldId id="283" r:id="rId16"/>
-    <p:sldId id="278" r:id="rId17"/>
+    <p:sldId id="284" r:id="rId17"/>
+    <p:sldId id="285" r:id="rId18"/>
+    <p:sldId id="286" r:id="rId19"/>
+    <p:sldId id="287" r:id="rId20"/>
+    <p:sldId id="289" r:id="rId21"/>
+    <p:sldId id="288" r:id="rId22"/>
+    <p:sldId id="290" r:id="rId23"/>
+    <p:sldId id="278" r:id="rId24"/>
   </p:sldIdLst>
   <p:sldSz cx="12192000" cy="6858000"/>
   <p:notesSz cx="6858000" cy="9144000"/>
@@ -6113,7 +6120,7 @@
         <p:spPr>
           <a:xfrm>
             <a:off x="1152359" y="1951672"/>
-            <a:ext cx="7010252" cy="369332"/>
+            <a:ext cx="1930080" cy="369332"/>
           </a:xfrm>
           <a:prstGeom prst="rect">
             <a:avLst/>
@@ -6131,50 +6138,19 @@
                 <a:latin typeface="나눔스퀘어" panose="020B0600000101010101" pitchFamily="50" charset="-127"/>
                 <a:ea typeface="나눔스퀘어" panose="020B0600000101010101" pitchFamily="50" charset="-127"/>
               </a:rPr>
-              <a:t>Branch</a:t>
+              <a:t>Commit Log </a:t>
             </a:r>
             <a:r>
               <a:rPr lang="ko-KR" altLang="en-US" dirty="0">
                 <a:latin typeface="나눔스퀘어" panose="020B0600000101010101" pitchFamily="50" charset="-127"/>
                 <a:ea typeface="나눔스퀘어" panose="020B0600000101010101" pitchFamily="50" charset="-127"/>
               </a:rPr>
-              <a:t> 를 눌러서 </a:t>
-            </a:r>
-            <a:r>
-              <a:rPr lang="en-US" altLang="ko-KR" dirty="0">
-                <a:latin typeface="나눔스퀘어" panose="020B0600000101010101" pitchFamily="50" charset="-127"/>
-                <a:ea typeface="나눔스퀘어" panose="020B0600000101010101" pitchFamily="50" charset="-127"/>
-              </a:rPr>
-              <a:t>branch </a:t>
-            </a:r>
-            <a:r>
-              <a:rPr lang="ko-KR" altLang="en-US" dirty="0">
-                <a:latin typeface="나눔스퀘어" panose="020B0600000101010101" pitchFamily="50" charset="-127"/>
-                <a:ea typeface="나눔스퀘어" panose="020B0600000101010101" pitchFamily="50" charset="-127"/>
-              </a:rPr>
-              <a:t>를 만들고</a:t>
-            </a:r>
-            <a:r>
-              <a:rPr lang="en-US" altLang="ko-KR" dirty="0">
-                <a:latin typeface="나눔스퀘어" panose="020B0600000101010101" pitchFamily="50" charset="-127"/>
-                <a:ea typeface="나눔스퀘어" panose="020B0600000101010101" pitchFamily="50" charset="-127"/>
-              </a:rPr>
-              <a:t>, Branch </a:t>
-            </a:r>
-            <a:r>
-              <a:rPr lang="ko-KR" altLang="en-US" dirty="0">
-                <a:latin typeface="나눔스퀘어" panose="020B0600000101010101" pitchFamily="50" charset="-127"/>
-                <a:ea typeface="나눔스퀘어" panose="020B0600000101010101" pitchFamily="50" charset="-127"/>
-              </a:rPr>
-              <a:t>를 원격 저장소에 저장하기</a:t>
-            </a:r>
-            <a:r>
-              <a:rPr lang="en-US" altLang="ko-KR" dirty="0">
-                <a:latin typeface="나눔스퀘어" panose="020B0600000101010101" pitchFamily="50" charset="-127"/>
-                <a:ea typeface="나눔스퀘어" panose="020B0600000101010101" pitchFamily="50" charset="-127"/>
-              </a:rPr>
-              <a:t>.</a:t>
-            </a:r>
+              <a:t>작성</a:t>
+            </a:r>
+            <a:endParaRPr lang="en-US" altLang="ko-KR" dirty="0">
+              <a:latin typeface="나눔스퀘어" panose="020B0600000101010101" pitchFamily="50" charset="-127"/>
+              <a:ea typeface="나눔스퀘어" panose="020B0600000101010101" pitchFamily="50" charset="-127"/>
+            </a:endParaRPr>
           </a:p>
         </p:txBody>
       </p:sp>
@@ -6209,10 +6185,10 @@
       </p:sp>
       <p:pic>
         <p:nvPicPr>
-          <p:cNvPr id="6" name="그림 5">
-            <a:extLst>
-              <a:ext uri="{FF2B5EF4-FFF2-40B4-BE49-F238E27FC236}">
-                <a16:creationId xmlns:a16="http://schemas.microsoft.com/office/drawing/2014/main" id="{5DC9CBFC-5AFB-47DD-9B96-A12F371AD19D}"/>
+          <p:cNvPr id="10" name="그림 9">
+            <a:extLst>
+              <a:ext uri="{FF2B5EF4-FFF2-40B4-BE49-F238E27FC236}">
+                <a16:creationId xmlns:a16="http://schemas.microsoft.com/office/drawing/2014/main" id="{5EAC41B3-3144-4982-B343-4C14BD80A97F}"/>
               </a:ext>
             </a:extLst>
           </p:cNvPr>
@@ -6229,78 +6205,98 @@
         </p:blipFill>
         <p:spPr>
           <a:xfrm>
-            <a:off x="1273661" y="4147647"/>
-            <a:ext cx="8707772" cy="929892"/>
+            <a:off x="8254647" y="603007"/>
+            <a:ext cx="2580136" cy="5673733"/>
           </a:xfrm>
           <a:prstGeom prst="rect">
             <a:avLst/>
           </a:prstGeom>
         </p:spPr>
       </p:pic>
-      <p:pic>
-        <p:nvPicPr>
-          <p:cNvPr id="12" name="그림 11">
-            <a:extLst>
-              <a:ext uri="{FF2B5EF4-FFF2-40B4-BE49-F238E27FC236}">
-                <a16:creationId xmlns:a16="http://schemas.microsoft.com/office/drawing/2014/main" id="{7255A8F8-AE79-45AA-8B75-ADA642F30B07}"/>
-              </a:ext>
-            </a:extLst>
-          </p:cNvPr>
-          <p:cNvPicPr>
-            <a:picLocks noChangeAspect="1"/>
-          </p:cNvPicPr>
-          <p:nvPr/>
-        </p:nvPicPr>
-        <p:blipFill>
-          <a:blip r:embed="rId3"/>
-          <a:stretch>
-            <a:fillRect/>
-          </a:stretch>
-        </p:blipFill>
-        <p:spPr>
-          <a:xfrm>
-            <a:off x="1265272" y="2801251"/>
-            <a:ext cx="8707772" cy="866149"/>
+      <p:sp>
+        <p:nvSpPr>
+          <p:cNvPr id="13" name="TextBox 12">
+            <a:extLst>
+              <a:ext uri="{FF2B5EF4-FFF2-40B4-BE49-F238E27FC236}">
+                <a16:creationId xmlns:a16="http://schemas.microsoft.com/office/drawing/2014/main" id="{BAEBCF29-C58D-4300-B6C4-0B5E7F1DC286}"/>
+              </a:ext>
+            </a:extLst>
+          </p:cNvPr>
+          <p:cNvSpPr txBox="1"/>
+          <p:nvPr/>
+        </p:nvSpPr>
+        <p:spPr>
+          <a:xfrm>
+            <a:off x="1178990" y="2579204"/>
+            <a:ext cx="6350713" cy="369332"/>
           </a:xfrm>
           <a:prstGeom prst="rect">
             <a:avLst/>
           </a:prstGeom>
-        </p:spPr>
-      </p:pic>
-      <p:pic>
-        <p:nvPicPr>
-          <p:cNvPr id="14" name="그림 13">
-            <a:extLst>
-              <a:ext uri="{FF2B5EF4-FFF2-40B4-BE49-F238E27FC236}">
-                <a16:creationId xmlns:a16="http://schemas.microsoft.com/office/drawing/2014/main" id="{B417BF83-28B3-4554-8C66-AF0B17019C3F}"/>
-              </a:ext>
-            </a:extLst>
-          </p:cNvPr>
-          <p:cNvPicPr>
-            <a:picLocks noChangeAspect="1"/>
-          </p:cNvPicPr>
-          <p:nvPr/>
-        </p:nvPicPr>
-        <p:blipFill>
-          <a:blip r:embed="rId4"/>
-          <a:stretch>
-            <a:fillRect/>
-          </a:stretch>
-        </p:blipFill>
-        <p:spPr>
-          <a:xfrm>
-            <a:off x="1273661" y="5340962"/>
-            <a:ext cx="8751540" cy="929892"/>
-          </a:xfrm>
-          <a:prstGeom prst="rect">
-            <a:avLst/>
-          </a:prstGeom>
-        </p:spPr>
-      </p:pic>
+          <a:noFill/>
+        </p:spPr>
+        <p:txBody>
+          <a:bodyPr wrap="none" rtlCol="0">
+            <a:spAutoFit/>
+          </a:bodyPr>
+          <a:lstStyle/>
+          <a:p>
+            <a:r>
+              <a:rPr lang="en-US" altLang="ko-KR" dirty="0">
+                <a:latin typeface="나눔스퀘어" panose="020B0600000101010101" pitchFamily="50" charset="-127"/>
+                <a:ea typeface="나눔스퀘어" panose="020B0600000101010101" pitchFamily="50" charset="-127"/>
+              </a:rPr>
+              <a:t>Stage</a:t>
+            </a:r>
+            <a:r>
+              <a:rPr lang="ko-KR" altLang="en-US" dirty="0">
+                <a:latin typeface="나눔스퀘어" panose="020B0600000101010101" pitchFamily="50" charset="-127"/>
+                <a:ea typeface="나눔스퀘어" panose="020B0600000101010101" pitchFamily="50" charset="-127"/>
+              </a:rPr>
+              <a:t> </a:t>
+            </a:r>
+            <a:r>
+              <a:rPr lang="en-US" altLang="ko-KR" dirty="0">
+                <a:latin typeface="나눔스퀘어" panose="020B0600000101010101" pitchFamily="50" charset="-127"/>
+                <a:ea typeface="나눔스퀘어" panose="020B0600000101010101" pitchFamily="50" charset="-127"/>
+              </a:rPr>
+              <a:t>:</a:t>
+            </a:r>
+            <a:r>
+              <a:rPr lang="ko-KR" altLang="en-US" dirty="0">
+                <a:latin typeface="나눔스퀘어" panose="020B0600000101010101" pitchFamily="50" charset="-127"/>
+                <a:ea typeface="나눔스퀘어" panose="020B0600000101010101" pitchFamily="50" charset="-127"/>
+              </a:rPr>
+              <a:t> 자신이 변경한 이력을 </a:t>
+            </a:r>
+            <a:r>
+              <a:rPr lang="en-US" altLang="ko-KR" dirty="0">
+                <a:latin typeface="나눔스퀘어" panose="020B0600000101010101" pitchFamily="50" charset="-127"/>
+                <a:ea typeface="나눔스퀘어" panose="020B0600000101010101" pitchFamily="50" charset="-127"/>
+              </a:rPr>
+              <a:t>Commit </a:t>
+            </a:r>
+            <a:r>
+              <a:rPr lang="ko-KR" altLang="en-US" dirty="0">
+                <a:latin typeface="나눔스퀘어" panose="020B0600000101010101" pitchFamily="50" charset="-127"/>
+                <a:ea typeface="나눔스퀘어" panose="020B0600000101010101" pitchFamily="50" charset="-127"/>
+              </a:rPr>
+              <a:t>로그에 추가하겠다는 의미</a:t>
+            </a:r>
+            <a:r>
+              <a:rPr lang="en-US" altLang="ko-KR" dirty="0">
+                <a:latin typeface="나눔스퀘어" panose="020B0600000101010101" pitchFamily="50" charset="-127"/>
+                <a:ea typeface="나눔스퀘어" panose="020B0600000101010101" pitchFamily="50" charset="-127"/>
+              </a:rPr>
+              <a:t>.</a:t>
+            </a:r>
+          </a:p>
+        </p:txBody>
+      </p:sp>
     </p:spTree>
     <p:extLst>
       <p:ext uri="{BB962C8B-B14F-4D97-AF65-F5344CB8AC3E}">
-        <p14:creationId xmlns:p14="http://schemas.microsoft.com/office/powerpoint/2010/main" val="1596469138"/>
+        <p14:creationId xmlns:p14="http://schemas.microsoft.com/office/powerpoint/2010/main" val="4114006078"/>
       </p:ext>
     </p:extLst>
   </p:cSld>
@@ -6341,7 +6337,7 @@
         </p:nvSpPr>
         <p:spPr>
           <a:xfrm>
-            <a:off x="4871371" y="3867312"/>
+            <a:off x="1273661" y="1570555"/>
             <a:ext cx="2449253" cy="45719"/>
           </a:xfrm>
           <a:prstGeom prst="rect">
@@ -6376,6 +6372,50 @@
           <a:p>
             <a:pPr algn="ctr"/>
             <a:endParaRPr lang="ko-KR" altLang="en-US"/>
+          </a:p>
+        </p:txBody>
+      </p:sp>
+      <p:sp>
+        <p:nvSpPr>
+          <p:cNvPr id="5" name="TextBox 4">
+            <a:extLst>
+              <a:ext uri="{FF2B5EF4-FFF2-40B4-BE49-F238E27FC236}">
+                <a16:creationId xmlns:a16="http://schemas.microsoft.com/office/drawing/2014/main" id="{D20EAAB8-83AC-433B-88ED-1F65A878BB01}"/>
+              </a:ext>
+            </a:extLst>
+          </p:cNvPr>
+          <p:cNvSpPr txBox="1"/>
+          <p:nvPr/>
+        </p:nvSpPr>
+        <p:spPr>
+          <a:xfrm>
+            <a:off x="1152359" y="687117"/>
+            <a:ext cx="713657" cy="461665"/>
+          </a:xfrm>
+          <a:prstGeom prst="rect">
+            <a:avLst/>
+          </a:prstGeom>
+          <a:noFill/>
+        </p:spPr>
+        <p:txBody>
+          <a:bodyPr wrap="none" rtlCol="0">
+            <a:spAutoFit/>
+          </a:bodyPr>
+          <a:lstStyle/>
+          <a:p>
+            <a:r>
+              <a:rPr lang="ko-KR" altLang="en-US" sz="2400" dirty="0">
+                <a:solidFill>
+                  <a:schemeClr val="tx1">
+                    <a:lumMod val="85000"/>
+                    <a:lumOff val="15000"/>
+                  </a:schemeClr>
+                </a:solidFill>
+                <a:latin typeface="나눔스퀘어_ac Bold" panose="020B0600000101010101" pitchFamily="50" charset="-127"/>
+                <a:ea typeface="나눔스퀘어_ac Bold" panose="020B0600000101010101" pitchFamily="50" charset="-127"/>
+              </a:rPr>
+              <a:t>실습</a:t>
+            </a:r>
           </a:p>
         </p:txBody>
       </p:sp>
@@ -6485,8 +6525,8 @@
         </p:nvSpPr>
         <p:spPr>
           <a:xfrm>
-            <a:off x="4743160" y="3255207"/>
-            <a:ext cx="2705677" cy="369332"/>
+            <a:off x="1152359" y="1951672"/>
+            <a:ext cx="1930080" cy="369332"/>
           </a:xfrm>
           <a:prstGeom prst="rect">
             <a:avLst/>
@@ -6504,8 +6544,19 @@
                 <a:latin typeface="나눔스퀘어" panose="020B0600000101010101" pitchFamily="50" charset="-127"/>
                 <a:ea typeface="나눔스퀘어" panose="020B0600000101010101" pitchFamily="50" charset="-127"/>
               </a:rPr>
-              <a:t>Thank you for watching.</a:t>
-            </a:r>
+              <a:t>Commit Log </a:t>
+            </a:r>
+            <a:r>
+              <a:rPr lang="ko-KR" altLang="en-US" dirty="0">
+                <a:latin typeface="나눔스퀘어" panose="020B0600000101010101" pitchFamily="50" charset="-127"/>
+                <a:ea typeface="나눔스퀘어" panose="020B0600000101010101" pitchFamily="50" charset="-127"/>
+              </a:rPr>
+              <a:t>작성</a:t>
+            </a:r>
+            <a:endParaRPr lang="en-US" altLang="ko-KR" dirty="0">
+              <a:latin typeface="나눔스퀘어" panose="020B0600000101010101" pitchFamily="50" charset="-127"/>
+              <a:ea typeface="나눔스퀘어" panose="020B0600000101010101" pitchFamily="50" charset="-127"/>
+            </a:endParaRPr>
           </a:p>
         </p:txBody>
       </p:sp>
@@ -6514,7 +6565,7 @@
           <p:cNvPr id="2" name="슬라이드 번호 개체 틀 1">
             <a:extLst>
               <a:ext uri="{FF2B5EF4-FFF2-40B4-BE49-F238E27FC236}">
-                <a16:creationId xmlns:a16="http://schemas.microsoft.com/office/drawing/2014/main" id="{2DD924CF-FC99-4C0D-82AE-BBF8ABD4A4B3}"/>
+                <a16:creationId xmlns:a16="http://schemas.microsoft.com/office/drawing/2014/main" id="{5F2F23AE-F309-4AF3-85E1-541BFA9ED2E6}"/>
               </a:ext>
             </a:extLst>
           </p:cNvPr>
@@ -6538,10 +6589,1119 @@
           </a:p>
         </p:txBody>
       </p:sp>
+      <p:pic>
+        <p:nvPicPr>
+          <p:cNvPr id="15" name="그림 14">
+            <a:extLst>
+              <a:ext uri="{FF2B5EF4-FFF2-40B4-BE49-F238E27FC236}">
+                <a16:creationId xmlns:a16="http://schemas.microsoft.com/office/drawing/2014/main" id="{E1D2A9FD-6E95-4F98-9CF7-C4826B729DF2}"/>
+              </a:ext>
+            </a:extLst>
+          </p:cNvPr>
+          <p:cNvPicPr>
+            <a:picLocks noChangeAspect="1"/>
+          </p:cNvPicPr>
+          <p:nvPr/>
+        </p:nvPicPr>
+        <p:blipFill>
+          <a:blip r:embed="rId2"/>
+          <a:stretch>
+            <a:fillRect/>
+          </a:stretch>
+        </p:blipFill>
+        <p:spPr>
+          <a:xfrm>
+            <a:off x="1273661" y="3164993"/>
+            <a:ext cx="6048375" cy="1743075"/>
+          </a:xfrm>
+          <a:prstGeom prst="rect">
+            <a:avLst/>
+          </a:prstGeom>
+        </p:spPr>
+      </p:pic>
     </p:spTree>
     <p:extLst>
       <p:ext uri="{BB962C8B-B14F-4D97-AF65-F5344CB8AC3E}">
-        <p14:creationId xmlns:p14="http://schemas.microsoft.com/office/powerpoint/2010/main" val="364490297"/>
+        <p14:creationId xmlns:p14="http://schemas.microsoft.com/office/powerpoint/2010/main" val="3299519536"/>
+      </p:ext>
+    </p:extLst>
+  </p:cSld>
+  <p:clrMapOvr>
+    <a:masterClrMapping/>
+  </p:clrMapOvr>
+</p:sld>
+</file>
+
+<file path=ppt/slides/slide17.xml><?xml version="1.0" encoding="utf-8"?>
+<p:sld xmlns:a="http://schemas.openxmlformats.org/drawingml/2006/main" xmlns:r="http://schemas.openxmlformats.org/officeDocument/2006/relationships" xmlns:p="http://schemas.openxmlformats.org/presentationml/2006/main">
+  <p:cSld>
+    <p:spTree>
+      <p:nvGrpSpPr>
+        <p:cNvPr id="1" name=""/>
+        <p:cNvGrpSpPr/>
+        <p:nvPr/>
+      </p:nvGrpSpPr>
+      <p:grpSpPr>
+        <a:xfrm>
+          <a:off x="0" y="0"/>
+          <a:ext cx="0" cy="0"/>
+          <a:chOff x="0" y="0"/>
+          <a:chExt cx="0" cy="0"/>
+        </a:xfrm>
+      </p:grpSpPr>
+      <p:sp>
+        <p:nvSpPr>
+          <p:cNvPr id="4" name="직사각형 3">
+            <a:extLst>
+              <a:ext uri="{FF2B5EF4-FFF2-40B4-BE49-F238E27FC236}">
+                <a16:creationId xmlns:a16="http://schemas.microsoft.com/office/drawing/2014/main" id="{6F1BD65C-76DF-4899-9486-2848804900A5}"/>
+              </a:ext>
+            </a:extLst>
+          </p:cNvPr>
+          <p:cNvSpPr/>
+          <p:nvPr/>
+        </p:nvSpPr>
+        <p:spPr>
+          <a:xfrm>
+            <a:off x="1273661" y="1570555"/>
+            <a:ext cx="2449253" cy="45719"/>
+          </a:xfrm>
+          <a:prstGeom prst="rect">
+            <a:avLst/>
+          </a:prstGeom>
+          <a:solidFill>
+            <a:srgbClr val="65AEC4"/>
+          </a:solidFill>
+          <a:ln>
+            <a:noFill/>
+          </a:ln>
+        </p:spPr>
+        <p:style>
+          <a:lnRef idx="2">
+            <a:schemeClr val="accent1">
+              <a:shade val="50000"/>
+            </a:schemeClr>
+          </a:lnRef>
+          <a:fillRef idx="1">
+            <a:schemeClr val="accent1"/>
+          </a:fillRef>
+          <a:effectRef idx="0">
+            <a:schemeClr val="accent1"/>
+          </a:effectRef>
+          <a:fontRef idx="minor">
+            <a:schemeClr val="lt1"/>
+          </a:fontRef>
+        </p:style>
+        <p:txBody>
+          <a:bodyPr rtlCol="0" anchor="ctr"/>
+          <a:lstStyle/>
+          <a:p>
+            <a:pPr algn="ctr"/>
+            <a:endParaRPr lang="ko-KR" altLang="en-US"/>
+          </a:p>
+        </p:txBody>
+      </p:sp>
+      <p:sp>
+        <p:nvSpPr>
+          <p:cNvPr id="5" name="TextBox 4">
+            <a:extLst>
+              <a:ext uri="{FF2B5EF4-FFF2-40B4-BE49-F238E27FC236}">
+                <a16:creationId xmlns:a16="http://schemas.microsoft.com/office/drawing/2014/main" id="{D20EAAB8-83AC-433B-88ED-1F65A878BB01}"/>
+              </a:ext>
+            </a:extLst>
+          </p:cNvPr>
+          <p:cNvSpPr txBox="1"/>
+          <p:nvPr/>
+        </p:nvSpPr>
+        <p:spPr>
+          <a:xfrm>
+            <a:off x="1152359" y="687117"/>
+            <a:ext cx="713657" cy="461665"/>
+          </a:xfrm>
+          <a:prstGeom prst="rect">
+            <a:avLst/>
+          </a:prstGeom>
+          <a:noFill/>
+        </p:spPr>
+        <p:txBody>
+          <a:bodyPr wrap="none" rtlCol="0">
+            <a:spAutoFit/>
+          </a:bodyPr>
+          <a:lstStyle/>
+          <a:p>
+            <a:r>
+              <a:rPr lang="ko-KR" altLang="en-US" sz="2400" dirty="0">
+                <a:solidFill>
+                  <a:schemeClr val="tx1">
+                    <a:lumMod val="85000"/>
+                    <a:lumOff val="15000"/>
+                  </a:schemeClr>
+                </a:solidFill>
+                <a:latin typeface="나눔스퀘어_ac Bold" panose="020B0600000101010101" pitchFamily="50" charset="-127"/>
+                <a:ea typeface="나눔스퀘어_ac Bold" panose="020B0600000101010101" pitchFamily="50" charset="-127"/>
+              </a:rPr>
+              <a:t>실습</a:t>
+            </a:r>
+          </a:p>
+        </p:txBody>
+      </p:sp>
+      <p:cxnSp>
+        <p:nvCxnSpPr>
+          <p:cNvPr id="7" name="직선 연결선 6">
+            <a:extLst>
+              <a:ext uri="{FF2B5EF4-FFF2-40B4-BE49-F238E27FC236}">
+                <a16:creationId xmlns:a16="http://schemas.microsoft.com/office/drawing/2014/main" id="{9795D904-8D9A-474B-BBBE-145A3C63C2A6}"/>
+              </a:ext>
+            </a:extLst>
+          </p:cNvPr>
+          <p:cNvCxnSpPr>
+            <a:cxnSpLocks/>
+          </p:cNvCxnSpPr>
+          <p:nvPr/>
+        </p:nvCxnSpPr>
+        <p:spPr>
+          <a:xfrm>
+            <a:off x="1245321" y="422958"/>
+            <a:ext cx="9701359" cy="0"/>
+          </a:xfrm>
+          <a:prstGeom prst="line">
+            <a:avLst/>
+          </a:prstGeom>
+          <a:ln>
+            <a:solidFill>
+              <a:schemeClr val="tx1">
+                <a:lumMod val="65000"/>
+                <a:lumOff val="35000"/>
+              </a:schemeClr>
+            </a:solidFill>
+          </a:ln>
+        </p:spPr>
+        <p:style>
+          <a:lnRef idx="1">
+            <a:schemeClr val="accent1"/>
+          </a:lnRef>
+          <a:fillRef idx="0">
+            <a:schemeClr val="accent1"/>
+          </a:fillRef>
+          <a:effectRef idx="0">
+            <a:schemeClr val="accent1"/>
+          </a:effectRef>
+          <a:fontRef idx="minor">
+            <a:schemeClr val="tx1"/>
+          </a:fontRef>
+        </p:style>
+      </p:cxnSp>
+      <p:cxnSp>
+        <p:nvCxnSpPr>
+          <p:cNvPr id="8" name="직선 연결선 7">
+            <a:extLst>
+              <a:ext uri="{FF2B5EF4-FFF2-40B4-BE49-F238E27FC236}">
+                <a16:creationId xmlns:a16="http://schemas.microsoft.com/office/drawing/2014/main" id="{47383A8E-E223-4A94-B0BD-61FA56C6CFE9}"/>
+              </a:ext>
+            </a:extLst>
+          </p:cNvPr>
+          <p:cNvCxnSpPr>
+            <a:cxnSpLocks/>
+          </p:cNvCxnSpPr>
+          <p:nvPr/>
+        </p:nvCxnSpPr>
+        <p:spPr>
+          <a:xfrm>
+            <a:off x="1245321" y="6456788"/>
+            <a:ext cx="9701359" cy="0"/>
+          </a:xfrm>
+          <a:prstGeom prst="line">
+            <a:avLst/>
+          </a:prstGeom>
+          <a:ln>
+            <a:solidFill>
+              <a:schemeClr val="tx1">
+                <a:lumMod val="65000"/>
+                <a:lumOff val="35000"/>
+              </a:schemeClr>
+            </a:solidFill>
+          </a:ln>
+        </p:spPr>
+        <p:style>
+          <a:lnRef idx="1">
+            <a:schemeClr val="accent1"/>
+          </a:lnRef>
+          <a:fillRef idx="0">
+            <a:schemeClr val="accent1"/>
+          </a:fillRef>
+          <a:effectRef idx="0">
+            <a:schemeClr val="accent1"/>
+          </a:effectRef>
+          <a:fontRef idx="minor">
+            <a:schemeClr val="tx1"/>
+          </a:fontRef>
+        </p:style>
+      </p:cxnSp>
+      <p:sp>
+        <p:nvSpPr>
+          <p:cNvPr id="9" name="TextBox 8">
+            <a:extLst>
+              <a:ext uri="{FF2B5EF4-FFF2-40B4-BE49-F238E27FC236}">
+                <a16:creationId xmlns:a16="http://schemas.microsoft.com/office/drawing/2014/main" id="{4403B576-CBD0-4A01-A683-B0DD00B23A0E}"/>
+              </a:ext>
+            </a:extLst>
+          </p:cNvPr>
+          <p:cNvSpPr txBox="1"/>
+          <p:nvPr/>
+        </p:nvSpPr>
+        <p:spPr>
+          <a:xfrm>
+            <a:off x="1152359" y="1951672"/>
+            <a:ext cx="3497176" cy="923330"/>
+          </a:xfrm>
+          <a:prstGeom prst="rect">
+            <a:avLst/>
+          </a:prstGeom>
+          <a:noFill/>
+        </p:spPr>
+        <p:txBody>
+          <a:bodyPr wrap="none" rtlCol="0">
+            <a:spAutoFit/>
+          </a:bodyPr>
+          <a:lstStyle/>
+          <a:p>
+            <a:r>
+              <a:rPr lang="en-US" altLang="ko-KR" dirty="0">
+                <a:latin typeface="나눔스퀘어" panose="020B0600000101010101" pitchFamily="50" charset="-127"/>
+                <a:ea typeface="나눔스퀘어" panose="020B0600000101010101" pitchFamily="50" charset="-127"/>
+              </a:rPr>
+              <a:t>Pull Request </a:t>
+            </a:r>
+            <a:r>
+              <a:rPr lang="ko-KR" altLang="en-US" dirty="0">
+                <a:latin typeface="나눔스퀘어" panose="020B0600000101010101" pitchFamily="50" charset="-127"/>
+                <a:ea typeface="나눔스퀘어" panose="020B0600000101010101" pitchFamily="50" charset="-127"/>
+              </a:rPr>
+              <a:t>작성</a:t>
+            </a:r>
+            <a:r>
+              <a:rPr lang="en-US" altLang="ko-KR" dirty="0">
+                <a:latin typeface="나눔스퀘어" panose="020B0600000101010101" pitchFamily="50" charset="-127"/>
+                <a:ea typeface="나눔스퀘어" panose="020B0600000101010101" pitchFamily="50" charset="-127"/>
+              </a:rPr>
+              <a:t>.</a:t>
+            </a:r>
+          </a:p>
+          <a:p>
+            <a:r>
+              <a:rPr lang="ko-KR" altLang="en-US" dirty="0">
+                <a:latin typeface="나눔스퀘어" panose="020B0600000101010101" pitchFamily="50" charset="-127"/>
+                <a:ea typeface="나눔스퀘어" panose="020B0600000101010101" pitchFamily="50" charset="-127"/>
+              </a:rPr>
+              <a:t>본인이 변경한 </a:t>
+            </a:r>
+            <a:r>
+              <a:rPr lang="en-US" altLang="ko-KR" dirty="0">
+                <a:latin typeface="나눔스퀘어" panose="020B0600000101010101" pitchFamily="50" charset="-127"/>
+                <a:ea typeface="나눔스퀘어" panose="020B0600000101010101" pitchFamily="50" charset="-127"/>
+              </a:rPr>
+              <a:t>branch</a:t>
+            </a:r>
+            <a:r>
+              <a:rPr lang="ko-KR" altLang="en-US" dirty="0">
+                <a:latin typeface="나눔스퀘어" panose="020B0600000101010101" pitchFamily="50" charset="-127"/>
+                <a:ea typeface="나눔스퀘어" panose="020B0600000101010101" pitchFamily="50" charset="-127"/>
+              </a:rPr>
+              <a:t>와 </a:t>
+            </a:r>
+            <a:r>
+              <a:rPr lang="en-US" altLang="ko-KR" dirty="0">
+                <a:latin typeface="나눔스퀘어" panose="020B0600000101010101" pitchFamily="50" charset="-127"/>
+                <a:ea typeface="나눔스퀘어" panose="020B0600000101010101" pitchFamily="50" charset="-127"/>
+              </a:rPr>
+              <a:t>merge </a:t>
+            </a:r>
+            <a:r>
+              <a:rPr lang="ko-KR" altLang="en-US" dirty="0">
+                <a:latin typeface="나눔스퀘어" panose="020B0600000101010101" pitchFamily="50" charset="-127"/>
+                <a:ea typeface="나눔스퀘어" panose="020B0600000101010101" pitchFamily="50" charset="-127"/>
+              </a:rPr>
+              <a:t>할</a:t>
+            </a:r>
+            <a:endParaRPr lang="en-US" altLang="ko-KR" dirty="0">
+              <a:latin typeface="나눔스퀘어" panose="020B0600000101010101" pitchFamily="50" charset="-127"/>
+              <a:ea typeface="나눔스퀘어" panose="020B0600000101010101" pitchFamily="50" charset="-127"/>
+            </a:endParaRPr>
+          </a:p>
+          <a:p>
+            <a:r>
+              <a:rPr lang="en-US" altLang="ko-KR" dirty="0">
+                <a:latin typeface="나눔스퀘어" panose="020B0600000101010101" pitchFamily="50" charset="-127"/>
+                <a:ea typeface="나눔스퀘어" panose="020B0600000101010101" pitchFamily="50" charset="-127"/>
+              </a:rPr>
+              <a:t>branch</a:t>
+            </a:r>
+            <a:r>
+              <a:rPr lang="ko-KR" altLang="en-US" dirty="0">
+                <a:latin typeface="나눔스퀘어" panose="020B0600000101010101" pitchFamily="50" charset="-127"/>
+                <a:ea typeface="나눔스퀘어" panose="020B0600000101010101" pitchFamily="50" charset="-127"/>
+              </a:rPr>
+              <a:t>를 잘 생각하고 변경</a:t>
+            </a:r>
+            <a:r>
+              <a:rPr lang="en-US" altLang="ko-KR" dirty="0">
+                <a:latin typeface="나눔스퀘어" panose="020B0600000101010101" pitchFamily="50" charset="-127"/>
+                <a:ea typeface="나눔스퀘어" panose="020B0600000101010101" pitchFamily="50" charset="-127"/>
+              </a:rPr>
+              <a:t>.</a:t>
+            </a:r>
+          </a:p>
+        </p:txBody>
+      </p:sp>
+      <p:sp>
+        <p:nvSpPr>
+          <p:cNvPr id="2" name="슬라이드 번호 개체 틀 1">
+            <a:extLst>
+              <a:ext uri="{FF2B5EF4-FFF2-40B4-BE49-F238E27FC236}">
+                <a16:creationId xmlns:a16="http://schemas.microsoft.com/office/drawing/2014/main" id="{5F2F23AE-F309-4AF3-85E1-541BFA9ED2E6}"/>
+              </a:ext>
+            </a:extLst>
+          </p:cNvPr>
+          <p:cNvSpPr>
+            <a:spLocks noGrp="1"/>
+          </p:cNvSpPr>
+          <p:nvPr>
+            <p:ph type="sldNum" sz="quarter" idx="12"/>
+          </p:nvPr>
+        </p:nvSpPr>
+        <p:spPr/>
+        <p:txBody>
+          <a:bodyPr/>
+          <a:lstStyle/>
+          <a:p>
+            <a:fld id="{758F165E-EFC4-4DD6-A02C-F2E949953FB2}" type="slidenum">
+              <a:rPr lang="ko-KR" altLang="en-US" smtClean="0"/>
+              <a:t>17</a:t>
+            </a:fld>
+            <a:endParaRPr lang="ko-KR" altLang="en-US"/>
+          </a:p>
+        </p:txBody>
+      </p:sp>
+      <p:pic>
+        <p:nvPicPr>
+          <p:cNvPr id="6" name="그림 5">
+            <a:extLst>
+              <a:ext uri="{FF2B5EF4-FFF2-40B4-BE49-F238E27FC236}">
+                <a16:creationId xmlns:a16="http://schemas.microsoft.com/office/drawing/2014/main" id="{E995B605-E828-4EB9-A232-85062E53B829}"/>
+              </a:ext>
+            </a:extLst>
+          </p:cNvPr>
+          <p:cNvPicPr>
+            <a:picLocks noChangeAspect="1"/>
+          </p:cNvPicPr>
+          <p:nvPr/>
+        </p:nvPicPr>
+        <p:blipFill>
+          <a:blip r:embed="rId2"/>
+          <a:stretch>
+            <a:fillRect/>
+          </a:stretch>
+        </p:blipFill>
+        <p:spPr>
+          <a:xfrm>
+            <a:off x="5421357" y="773607"/>
+            <a:ext cx="5932443" cy="5332533"/>
+          </a:xfrm>
+          <a:prstGeom prst="rect">
+            <a:avLst/>
+          </a:prstGeom>
+        </p:spPr>
+      </p:pic>
+    </p:spTree>
+    <p:extLst>
+      <p:ext uri="{BB962C8B-B14F-4D97-AF65-F5344CB8AC3E}">
+        <p14:creationId xmlns:p14="http://schemas.microsoft.com/office/powerpoint/2010/main" val="910846584"/>
+      </p:ext>
+    </p:extLst>
+  </p:cSld>
+  <p:clrMapOvr>
+    <a:masterClrMapping/>
+  </p:clrMapOvr>
+</p:sld>
+</file>
+
+<file path=ppt/slides/slide18.xml><?xml version="1.0" encoding="utf-8"?>
+<p:sld xmlns:a="http://schemas.openxmlformats.org/drawingml/2006/main" xmlns:r="http://schemas.openxmlformats.org/officeDocument/2006/relationships" xmlns:p="http://schemas.openxmlformats.org/presentationml/2006/main">
+  <p:cSld>
+    <p:spTree>
+      <p:nvGrpSpPr>
+        <p:cNvPr id="1" name=""/>
+        <p:cNvGrpSpPr/>
+        <p:nvPr/>
+      </p:nvGrpSpPr>
+      <p:grpSpPr>
+        <a:xfrm>
+          <a:off x="0" y="0"/>
+          <a:ext cx="0" cy="0"/>
+          <a:chOff x="0" y="0"/>
+          <a:chExt cx="0" cy="0"/>
+        </a:xfrm>
+      </p:grpSpPr>
+      <p:sp>
+        <p:nvSpPr>
+          <p:cNvPr id="4" name="직사각형 3">
+            <a:extLst>
+              <a:ext uri="{FF2B5EF4-FFF2-40B4-BE49-F238E27FC236}">
+                <a16:creationId xmlns:a16="http://schemas.microsoft.com/office/drawing/2014/main" id="{6F1BD65C-76DF-4899-9486-2848804900A5}"/>
+              </a:ext>
+            </a:extLst>
+          </p:cNvPr>
+          <p:cNvSpPr/>
+          <p:nvPr/>
+        </p:nvSpPr>
+        <p:spPr>
+          <a:xfrm>
+            <a:off x="1273661" y="1570555"/>
+            <a:ext cx="2449253" cy="45719"/>
+          </a:xfrm>
+          <a:prstGeom prst="rect">
+            <a:avLst/>
+          </a:prstGeom>
+          <a:solidFill>
+            <a:srgbClr val="65AEC4"/>
+          </a:solidFill>
+          <a:ln>
+            <a:noFill/>
+          </a:ln>
+        </p:spPr>
+        <p:style>
+          <a:lnRef idx="2">
+            <a:schemeClr val="accent1">
+              <a:shade val="50000"/>
+            </a:schemeClr>
+          </a:lnRef>
+          <a:fillRef idx="1">
+            <a:schemeClr val="accent1"/>
+          </a:fillRef>
+          <a:effectRef idx="0">
+            <a:schemeClr val="accent1"/>
+          </a:effectRef>
+          <a:fontRef idx="minor">
+            <a:schemeClr val="lt1"/>
+          </a:fontRef>
+        </p:style>
+        <p:txBody>
+          <a:bodyPr rtlCol="0" anchor="ctr"/>
+          <a:lstStyle/>
+          <a:p>
+            <a:pPr algn="ctr"/>
+            <a:endParaRPr lang="ko-KR" altLang="en-US"/>
+          </a:p>
+        </p:txBody>
+      </p:sp>
+      <p:sp>
+        <p:nvSpPr>
+          <p:cNvPr id="5" name="TextBox 4">
+            <a:extLst>
+              <a:ext uri="{FF2B5EF4-FFF2-40B4-BE49-F238E27FC236}">
+                <a16:creationId xmlns:a16="http://schemas.microsoft.com/office/drawing/2014/main" id="{D20EAAB8-83AC-433B-88ED-1F65A878BB01}"/>
+              </a:ext>
+            </a:extLst>
+          </p:cNvPr>
+          <p:cNvSpPr txBox="1"/>
+          <p:nvPr/>
+        </p:nvSpPr>
+        <p:spPr>
+          <a:xfrm>
+            <a:off x="1152359" y="687117"/>
+            <a:ext cx="713657" cy="461665"/>
+          </a:xfrm>
+          <a:prstGeom prst="rect">
+            <a:avLst/>
+          </a:prstGeom>
+          <a:noFill/>
+        </p:spPr>
+        <p:txBody>
+          <a:bodyPr wrap="none" rtlCol="0">
+            <a:spAutoFit/>
+          </a:bodyPr>
+          <a:lstStyle/>
+          <a:p>
+            <a:r>
+              <a:rPr lang="ko-KR" altLang="en-US" sz="2400" dirty="0">
+                <a:solidFill>
+                  <a:schemeClr val="tx1">
+                    <a:lumMod val="85000"/>
+                    <a:lumOff val="15000"/>
+                  </a:schemeClr>
+                </a:solidFill>
+                <a:latin typeface="나눔스퀘어_ac Bold" panose="020B0600000101010101" pitchFamily="50" charset="-127"/>
+                <a:ea typeface="나눔스퀘어_ac Bold" panose="020B0600000101010101" pitchFamily="50" charset="-127"/>
+              </a:rPr>
+              <a:t>실습</a:t>
+            </a:r>
+          </a:p>
+        </p:txBody>
+      </p:sp>
+      <p:cxnSp>
+        <p:nvCxnSpPr>
+          <p:cNvPr id="7" name="직선 연결선 6">
+            <a:extLst>
+              <a:ext uri="{FF2B5EF4-FFF2-40B4-BE49-F238E27FC236}">
+                <a16:creationId xmlns:a16="http://schemas.microsoft.com/office/drawing/2014/main" id="{9795D904-8D9A-474B-BBBE-145A3C63C2A6}"/>
+              </a:ext>
+            </a:extLst>
+          </p:cNvPr>
+          <p:cNvCxnSpPr>
+            <a:cxnSpLocks/>
+          </p:cNvCxnSpPr>
+          <p:nvPr/>
+        </p:nvCxnSpPr>
+        <p:spPr>
+          <a:xfrm>
+            <a:off x="1245321" y="422958"/>
+            <a:ext cx="9701359" cy="0"/>
+          </a:xfrm>
+          <a:prstGeom prst="line">
+            <a:avLst/>
+          </a:prstGeom>
+          <a:ln>
+            <a:solidFill>
+              <a:schemeClr val="tx1">
+                <a:lumMod val="65000"/>
+                <a:lumOff val="35000"/>
+              </a:schemeClr>
+            </a:solidFill>
+          </a:ln>
+        </p:spPr>
+        <p:style>
+          <a:lnRef idx="1">
+            <a:schemeClr val="accent1"/>
+          </a:lnRef>
+          <a:fillRef idx="0">
+            <a:schemeClr val="accent1"/>
+          </a:fillRef>
+          <a:effectRef idx="0">
+            <a:schemeClr val="accent1"/>
+          </a:effectRef>
+          <a:fontRef idx="minor">
+            <a:schemeClr val="tx1"/>
+          </a:fontRef>
+        </p:style>
+      </p:cxnSp>
+      <p:cxnSp>
+        <p:nvCxnSpPr>
+          <p:cNvPr id="8" name="직선 연결선 7">
+            <a:extLst>
+              <a:ext uri="{FF2B5EF4-FFF2-40B4-BE49-F238E27FC236}">
+                <a16:creationId xmlns:a16="http://schemas.microsoft.com/office/drawing/2014/main" id="{47383A8E-E223-4A94-B0BD-61FA56C6CFE9}"/>
+              </a:ext>
+            </a:extLst>
+          </p:cNvPr>
+          <p:cNvCxnSpPr>
+            <a:cxnSpLocks/>
+          </p:cNvCxnSpPr>
+          <p:nvPr/>
+        </p:nvCxnSpPr>
+        <p:spPr>
+          <a:xfrm>
+            <a:off x="1245321" y="6456788"/>
+            <a:ext cx="9701359" cy="0"/>
+          </a:xfrm>
+          <a:prstGeom prst="line">
+            <a:avLst/>
+          </a:prstGeom>
+          <a:ln>
+            <a:solidFill>
+              <a:schemeClr val="tx1">
+                <a:lumMod val="65000"/>
+                <a:lumOff val="35000"/>
+              </a:schemeClr>
+            </a:solidFill>
+          </a:ln>
+        </p:spPr>
+        <p:style>
+          <a:lnRef idx="1">
+            <a:schemeClr val="accent1"/>
+          </a:lnRef>
+          <a:fillRef idx="0">
+            <a:schemeClr val="accent1"/>
+          </a:fillRef>
+          <a:effectRef idx="0">
+            <a:schemeClr val="accent1"/>
+          </a:effectRef>
+          <a:fontRef idx="minor">
+            <a:schemeClr val="tx1"/>
+          </a:fontRef>
+        </p:style>
+      </p:cxnSp>
+      <p:sp>
+        <p:nvSpPr>
+          <p:cNvPr id="9" name="TextBox 8">
+            <a:extLst>
+              <a:ext uri="{FF2B5EF4-FFF2-40B4-BE49-F238E27FC236}">
+                <a16:creationId xmlns:a16="http://schemas.microsoft.com/office/drawing/2014/main" id="{4403B576-CBD0-4A01-A683-B0DD00B23A0E}"/>
+              </a:ext>
+            </a:extLst>
+          </p:cNvPr>
+          <p:cNvSpPr txBox="1"/>
+          <p:nvPr/>
+        </p:nvSpPr>
+        <p:spPr>
+          <a:xfrm>
+            <a:off x="1152359" y="1951672"/>
+            <a:ext cx="5264583" cy="369332"/>
+          </a:xfrm>
+          <a:prstGeom prst="rect">
+            <a:avLst/>
+          </a:prstGeom>
+          <a:noFill/>
+        </p:spPr>
+        <p:txBody>
+          <a:bodyPr wrap="none" rtlCol="0">
+            <a:spAutoFit/>
+          </a:bodyPr>
+          <a:lstStyle/>
+          <a:p>
+            <a:r>
+              <a:rPr lang="ko-KR" altLang="en-US" dirty="0">
+                <a:latin typeface="나눔스퀘어" panose="020B0600000101010101" pitchFamily="50" charset="-127"/>
+                <a:ea typeface="나눔스퀘어" panose="020B0600000101010101" pitchFamily="50" charset="-127"/>
+              </a:rPr>
+              <a:t>변경 이력을 나타내는 문구를 작성하고</a:t>
+            </a:r>
+            <a:r>
+              <a:rPr lang="en-US" altLang="ko-KR" dirty="0">
+                <a:latin typeface="나눔스퀘어" panose="020B0600000101010101" pitchFamily="50" charset="-127"/>
+                <a:ea typeface="나눔스퀘어" panose="020B0600000101010101" pitchFamily="50" charset="-127"/>
+              </a:rPr>
+              <a:t> </a:t>
+            </a:r>
+            <a:r>
+              <a:rPr lang="ko-KR" altLang="en-US" dirty="0">
+                <a:latin typeface="나눔스퀘어" panose="020B0600000101010101" pitchFamily="50" charset="-127"/>
+                <a:ea typeface="나눔스퀘어" panose="020B0600000101010101" pitchFamily="50" charset="-127"/>
+              </a:rPr>
+              <a:t>하단 버튼 클릭</a:t>
+            </a:r>
+            <a:r>
+              <a:rPr lang="en-US" altLang="ko-KR" dirty="0">
+                <a:latin typeface="나눔스퀘어" panose="020B0600000101010101" pitchFamily="50" charset="-127"/>
+                <a:ea typeface="나눔스퀘어" panose="020B0600000101010101" pitchFamily="50" charset="-127"/>
+              </a:rPr>
+              <a:t>.</a:t>
+            </a:r>
+          </a:p>
+        </p:txBody>
+      </p:sp>
+      <p:sp>
+        <p:nvSpPr>
+          <p:cNvPr id="2" name="슬라이드 번호 개체 틀 1">
+            <a:extLst>
+              <a:ext uri="{FF2B5EF4-FFF2-40B4-BE49-F238E27FC236}">
+                <a16:creationId xmlns:a16="http://schemas.microsoft.com/office/drawing/2014/main" id="{5F2F23AE-F309-4AF3-85E1-541BFA9ED2E6}"/>
+              </a:ext>
+            </a:extLst>
+          </p:cNvPr>
+          <p:cNvSpPr>
+            <a:spLocks noGrp="1"/>
+          </p:cNvSpPr>
+          <p:nvPr>
+            <p:ph type="sldNum" sz="quarter" idx="12"/>
+          </p:nvPr>
+        </p:nvSpPr>
+        <p:spPr/>
+        <p:txBody>
+          <a:bodyPr/>
+          <a:lstStyle/>
+          <a:p>
+            <a:fld id="{758F165E-EFC4-4DD6-A02C-F2E949953FB2}" type="slidenum">
+              <a:rPr lang="ko-KR" altLang="en-US" smtClean="0"/>
+              <a:t>18</a:t>
+            </a:fld>
+            <a:endParaRPr lang="ko-KR" altLang="en-US"/>
+          </a:p>
+        </p:txBody>
+      </p:sp>
+      <p:pic>
+        <p:nvPicPr>
+          <p:cNvPr id="12" name="그림 11">
+            <a:extLst>
+              <a:ext uri="{FF2B5EF4-FFF2-40B4-BE49-F238E27FC236}">
+                <a16:creationId xmlns:a16="http://schemas.microsoft.com/office/drawing/2014/main" id="{3D70C9F4-8DC1-4192-95A7-303B6C1C51D8}"/>
+              </a:ext>
+            </a:extLst>
+          </p:cNvPr>
+          <p:cNvPicPr>
+            <a:picLocks noChangeAspect="1"/>
+          </p:cNvPicPr>
+          <p:nvPr/>
+        </p:nvPicPr>
+        <p:blipFill>
+          <a:blip r:embed="rId2"/>
+          <a:stretch>
+            <a:fillRect/>
+          </a:stretch>
+        </p:blipFill>
+        <p:spPr>
+          <a:xfrm>
+            <a:off x="6838590" y="496661"/>
+            <a:ext cx="4108090" cy="5886425"/>
+          </a:xfrm>
+          <a:prstGeom prst="rect">
+            <a:avLst/>
+          </a:prstGeom>
+        </p:spPr>
+      </p:pic>
+    </p:spTree>
+    <p:extLst>
+      <p:ext uri="{BB962C8B-B14F-4D97-AF65-F5344CB8AC3E}">
+        <p14:creationId xmlns:p14="http://schemas.microsoft.com/office/powerpoint/2010/main" val="2979694720"/>
+      </p:ext>
+    </p:extLst>
+  </p:cSld>
+  <p:clrMapOvr>
+    <a:masterClrMapping/>
+  </p:clrMapOvr>
+</p:sld>
+</file>
+
+<file path=ppt/slides/slide19.xml><?xml version="1.0" encoding="utf-8"?>
+<p:sld xmlns:a="http://schemas.openxmlformats.org/drawingml/2006/main" xmlns:r="http://schemas.openxmlformats.org/officeDocument/2006/relationships" xmlns:p="http://schemas.openxmlformats.org/presentationml/2006/main">
+  <p:cSld>
+    <p:spTree>
+      <p:nvGrpSpPr>
+        <p:cNvPr id="1" name=""/>
+        <p:cNvGrpSpPr/>
+        <p:nvPr/>
+      </p:nvGrpSpPr>
+      <p:grpSpPr>
+        <a:xfrm>
+          <a:off x="0" y="0"/>
+          <a:ext cx="0" cy="0"/>
+          <a:chOff x="0" y="0"/>
+          <a:chExt cx="0" cy="0"/>
+        </a:xfrm>
+      </p:grpSpPr>
+      <p:sp>
+        <p:nvSpPr>
+          <p:cNvPr id="4" name="직사각형 3">
+            <a:extLst>
+              <a:ext uri="{FF2B5EF4-FFF2-40B4-BE49-F238E27FC236}">
+                <a16:creationId xmlns:a16="http://schemas.microsoft.com/office/drawing/2014/main" id="{6F1BD65C-76DF-4899-9486-2848804900A5}"/>
+              </a:ext>
+            </a:extLst>
+          </p:cNvPr>
+          <p:cNvSpPr/>
+          <p:nvPr/>
+        </p:nvSpPr>
+        <p:spPr>
+          <a:xfrm>
+            <a:off x="1273661" y="1570555"/>
+            <a:ext cx="2449253" cy="45719"/>
+          </a:xfrm>
+          <a:prstGeom prst="rect">
+            <a:avLst/>
+          </a:prstGeom>
+          <a:solidFill>
+            <a:srgbClr val="65AEC4"/>
+          </a:solidFill>
+          <a:ln>
+            <a:noFill/>
+          </a:ln>
+        </p:spPr>
+        <p:style>
+          <a:lnRef idx="2">
+            <a:schemeClr val="accent1">
+              <a:shade val="50000"/>
+            </a:schemeClr>
+          </a:lnRef>
+          <a:fillRef idx="1">
+            <a:schemeClr val="accent1"/>
+          </a:fillRef>
+          <a:effectRef idx="0">
+            <a:schemeClr val="accent1"/>
+          </a:effectRef>
+          <a:fontRef idx="minor">
+            <a:schemeClr val="lt1"/>
+          </a:fontRef>
+        </p:style>
+        <p:txBody>
+          <a:bodyPr rtlCol="0" anchor="ctr"/>
+          <a:lstStyle/>
+          <a:p>
+            <a:pPr algn="ctr"/>
+            <a:endParaRPr lang="ko-KR" altLang="en-US"/>
+          </a:p>
+        </p:txBody>
+      </p:sp>
+      <p:sp>
+        <p:nvSpPr>
+          <p:cNvPr id="5" name="TextBox 4">
+            <a:extLst>
+              <a:ext uri="{FF2B5EF4-FFF2-40B4-BE49-F238E27FC236}">
+                <a16:creationId xmlns:a16="http://schemas.microsoft.com/office/drawing/2014/main" id="{D20EAAB8-83AC-433B-88ED-1F65A878BB01}"/>
+              </a:ext>
+            </a:extLst>
+          </p:cNvPr>
+          <p:cNvSpPr txBox="1"/>
+          <p:nvPr/>
+        </p:nvSpPr>
+        <p:spPr>
+          <a:xfrm>
+            <a:off x="1152359" y="687117"/>
+            <a:ext cx="713657" cy="461665"/>
+          </a:xfrm>
+          <a:prstGeom prst="rect">
+            <a:avLst/>
+          </a:prstGeom>
+          <a:noFill/>
+        </p:spPr>
+        <p:txBody>
+          <a:bodyPr wrap="none" rtlCol="0">
+            <a:spAutoFit/>
+          </a:bodyPr>
+          <a:lstStyle/>
+          <a:p>
+            <a:r>
+              <a:rPr lang="ko-KR" altLang="en-US" sz="2400" dirty="0">
+                <a:solidFill>
+                  <a:schemeClr val="tx1">
+                    <a:lumMod val="85000"/>
+                    <a:lumOff val="15000"/>
+                  </a:schemeClr>
+                </a:solidFill>
+                <a:latin typeface="나눔스퀘어_ac Bold" panose="020B0600000101010101" pitchFamily="50" charset="-127"/>
+                <a:ea typeface="나눔스퀘어_ac Bold" panose="020B0600000101010101" pitchFamily="50" charset="-127"/>
+              </a:rPr>
+              <a:t>실습</a:t>
+            </a:r>
+          </a:p>
+        </p:txBody>
+      </p:sp>
+      <p:cxnSp>
+        <p:nvCxnSpPr>
+          <p:cNvPr id="7" name="직선 연결선 6">
+            <a:extLst>
+              <a:ext uri="{FF2B5EF4-FFF2-40B4-BE49-F238E27FC236}">
+                <a16:creationId xmlns:a16="http://schemas.microsoft.com/office/drawing/2014/main" id="{9795D904-8D9A-474B-BBBE-145A3C63C2A6}"/>
+              </a:ext>
+            </a:extLst>
+          </p:cNvPr>
+          <p:cNvCxnSpPr>
+            <a:cxnSpLocks/>
+          </p:cNvCxnSpPr>
+          <p:nvPr/>
+        </p:nvCxnSpPr>
+        <p:spPr>
+          <a:xfrm>
+            <a:off x="1245321" y="422958"/>
+            <a:ext cx="9701359" cy="0"/>
+          </a:xfrm>
+          <a:prstGeom prst="line">
+            <a:avLst/>
+          </a:prstGeom>
+          <a:ln>
+            <a:solidFill>
+              <a:schemeClr val="tx1">
+                <a:lumMod val="65000"/>
+                <a:lumOff val="35000"/>
+              </a:schemeClr>
+            </a:solidFill>
+          </a:ln>
+        </p:spPr>
+        <p:style>
+          <a:lnRef idx="1">
+            <a:schemeClr val="accent1"/>
+          </a:lnRef>
+          <a:fillRef idx="0">
+            <a:schemeClr val="accent1"/>
+          </a:fillRef>
+          <a:effectRef idx="0">
+            <a:schemeClr val="accent1"/>
+          </a:effectRef>
+          <a:fontRef idx="minor">
+            <a:schemeClr val="tx1"/>
+          </a:fontRef>
+        </p:style>
+      </p:cxnSp>
+      <p:cxnSp>
+        <p:nvCxnSpPr>
+          <p:cNvPr id="8" name="직선 연결선 7">
+            <a:extLst>
+              <a:ext uri="{FF2B5EF4-FFF2-40B4-BE49-F238E27FC236}">
+                <a16:creationId xmlns:a16="http://schemas.microsoft.com/office/drawing/2014/main" id="{47383A8E-E223-4A94-B0BD-61FA56C6CFE9}"/>
+              </a:ext>
+            </a:extLst>
+          </p:cNvPr>
+          <p:cNvCxnSpPr>
+            <a:cxnSpLocks/>
+          </p:cNvCxnSpPr>
+          <p:nvPr/>
+        </p:nvCxnSpPr>
+        <p:spPr>
+          <a:xfrm>
+            <a:off x="1245321" y="6456788"/>
+            <a:ext cx="9701359" cy="0"/>
+          </a:xfrm>
+          <a:prstGeom prst="line">
+            <a:avLst/>
+          </a:prstGeom>
+          <a:ln>
+            <a:solidFill>
+              <a:schemeClr val="tx1">
+                <a:lumMod val="65000"/>
+                <a:lumOff val="35000"/>
+              </a:schemeClr>
+            </a:solidFill>
+          </a:ln>
+        </p:spPr>
+        <p:style>
+          <a:lnRef idx="1">
+            <a:schemeClr val="accent1"/>
+          </a:lnRef>
+          <a:fillRef idx="0">
+            <a:schemeClr val="accent1"/>
+          </a:fillRef>
+          <a:effectRef idx="0">
+            <a:schemeClr val="accent1"/>
+          </a:effectRef>
+          <a:fontRef idx="minor">
+            <a:schemeClr val="tx1"/>
+          </a:fontRef>
+        </p:style>
+      </p:cxnSp>
+      <p:sp>
+        <p:nvSpPr>
+          <p:cNvPr id="9" name="TextBox 8">
+            <a:extLst>
+              <a:ext uri="{FF2B5EF4-FFF2-40B4-BE49-F238E27FC236}">
+                <a16:creationId xmlns:a16="http://schemas.microsoft.com/office/drawing/2014/main" id="{4403B576-CBD0-4A01-A683-B0DD00B23A0E}"/>
+              </a:ext>
+            </a:extLst>
+          </p:cNvPr>
+          <p:cNvSpPr txBox="1"/>
+          <p:nvPr/>
+        </p:nvSpPr>
+        <p:spPr>
+          <a:xfrm>
+            <a:off x="1152359" y="1951672"/>
+            <a:ext cx="3330912" cy="369332"/>
+          </a:xfrm>
+          <a:prstGeom prst="rect">
+            <a:avLst/>
+          </a:prstGeom>
+          <a:noFill/>
+        </p:spPr>
+        <p:txBody>
+          <a:bodyPr wrap="none" rtlCol="0">
+            <a:spAutoFit/>
+          </a:bodyPr>
+          <a:lstStyle/>
+          <a:p>
+            <a:r>
+              <a:rPr lang="ko-KR" altLang="en-US" dirty="0">
+                <a:latin typeface="나눔스퀘어" panose="020B0600000101010101" pitchFamily="50" charset="-127"/>
+                <a:ea typeface="나눔스퀘어" panose="020B0600000101010101" pitchFamily="50" charset="-127"/>
+              </a:rPr>
+              <a:t>상단 </a:t>
+            </a:r>
+            <a:r>
+              <a:rPr lang="ko-KR" altLang="en-US" dirty="0" err="1">
+                <a:latin typeface="나눔스퀘어" panose="020B0600000101010101" pitchFamily="50" charset="-127"/>
+                <a:ea typeface="나눔스퀘어" panose="020B0600000101010101" pitchFamily="50" charset="-127"/>
+              </a:rPr>
+              <a:t>메뉴중</a:t>
+            </a:r>
+            <a:r>
+              <a:rPr lang="ko-KR" altLang="en-US" dirty="0">
+                <a:latin typeface="나눔스퀘어" panose="020B0600000101010101" pitchFamily="50" charset="-127"/>
+                <a:ea typeface="나눔스퀘어" panose="020B0600000101010101" pitchFamily="50" charset="-127"/>
+              </a:rPr>
+              <a:t> </a:t>
+            </a:r>
+            <a:r>
+              <a:rPr lang="en-US" altLang="ko-KR" dirty="0">
+                <a:latin typeface="나눔스퀘어" panose="020B0600000101010101" pitchFamily="50" charset="-127"/>
+                <a:ea typeface="나눔스퀘어" panose="020B0600000101010101" pitchFamily="50" charset="-127"/>
+              </a:rPr>
+              <a:t>pull request</a:t>
+            </a:r>
+            <a:r>
+              <a:rPr lang="ko-KR" altLang="en-US" dirty="0">
+                <a:latin typeface="나눔스퀘어" panose="020B0600000101010101" pitchFamily="50" charset="-127"/>
+                <a:ea typeface="나눔스퀘어" panose="020B0600000101010101" pitchFamily="50" charset="-127"/>
+              </a:rPr>
+              <a:t>를 선택</a:t>
+            </a:r>
+            <a:r>
+              <a:rPr lang="en-US" altLang="ko-KR" dirty="0">
+                <a:latin typeface="나눔스퀘어" panose="020B0600000101010101" pitchFamily="50" charset="-127"/>
+                <a:ea typeface="나눔스퀘어" panose="020B0600000101010101" pitchFamily="50" charset="-127"/>
+              </a:rPr>
+              <a:t>.</a:t>
+            </a:r>
+          </a:p>
+        </p:txBody>
+      </p:sp>
+      <p:sp>
+        <p:nvSpPr>
+          <p:cNvPr id="2" name="슬라이드 번호 개체 틀 1">
+            <a:extLst>
+              <a:ext uri="{FF2B5EF4-FFF2-40B4-BE49-F238E27FC236}">
+                <a16:creationId xmlns:a16="http://schemas.microsoft.com/office/drawing/2014/main" id="{5F2F23AE-F309-4AF3-85E1-541BFA9ED2E6}"/>
+              </a:ext>
+            </a:extLst>
+          </p:cNvPr>
+          <p:cNvSpPr>
+            <a:spLocks noGrp="1"/>
+          </p:cNvSpPr>
+          <p:nvPr>
+            <p:ph type="sldNum" sz="quarter" idx="12"/>
+          </p:nvPr>
+        </p:nvSpPr>
+        <p:spPr/>
+        <p:txBody>
+          <a:bodyPr/>
+          <a:lstStyle/>
+          <a:p>
+            <a:fld id="{758F165E-EFC4-4DD6-A02C-F2E949953FB2}" type="slidenum">
+              <a:rPr lang="ko-KR" altLang="en-US" smtClean="0"/>
+              <a:t>19</a:t>
+            </a:fld>
+            <a:endParaRPr lang="ko-KR" altLang="en-US"/>
+          </a:p>
+        </p:txBody>
+      </p:sp>
+      <p:pic>
+        <p:nvPicPr>
+          <p:cNvPr id="6" name="그림 5">
+            <a:extLst>
+              <a:ext uri="{FF2B5EF4-FFF2-40B4-BE49-F238E27FC236}">
+                <a16:creationId xmlns:a16="http://schemas.microsoft.com/office/drawing/2014/main" id="{B4688906-CBBE-46E1-9B8F-81DD092F084F}"/>
+              </a:ext>
+            </a:extLst>
+          </p:cNvPr>
+          <p:cNvPicPr>
+            <a:picLocks noChangeAspect="1"/>
+          </p:cNvPicPr>
+          <p:nvPr/>
+        </p:nvPicPr>
+        <p:blipFill>
+          <a:blip r:embed="rId2"/>
+          <a:stretch>
+            <a:fillRect/>
+          </a:stretch>
+        </p:blipFill>
+        <p:spPr>
+          <a:xfrm>
+            <a:off x="570450" y="2722861"/>
+            <a:ext cx="10234564" cy="2387709"/>
+          </a:xfrm>
+          <a:prstGeom prst="rect">
+            <a:avLst/>
+          </a:prstGeom>
+        </p:spPr>
+      </p:pic>
+    </p:spTree>
+    <p:extLst>
+      <p:ext uri="{BB962C8B-B14F-4D97-AF65-F5344CB8AC3E}">
+        <p14:creationId xmlns:p14="http://schemas.microsoft.com/office/powerpoint/2010/main" val="1299733499"/>
       </p:ext>
     </p:extLst>
   </p:cSld>
@@ -6887,6 +8047,1250 @@
     <p:extLst>
       <p:ext uri="{BB962C8B-B14F-4D97-AF65-F5344CB8AC3E}">
         <p14:creationId xmlns:p14="http://schemas.microsoft.com/office/powerpoint/2010/main" val="4268131298"/>
+      </p:ext>
+    </p:extLst>
+  </p:cSld>
+  <p:clrMapOvr>
+    <a:masterClrMapping/>
+  </p:clrMapOvr>
+</p:sld>
+</file>
+
+<file path=ppt/slides/slide20.xml><?xml version="1.0" encoding="utf-8"?>
+<p:sld xmlns:a="http://schemas.openxmlformats.org/drawingml/2006/main" xmlns:r="http://schemas.openxmlformats.org/officeDocument/2006/relationships" xmlns:p="http://schemas.openxmlformats.org/presentationml/2006/main">
+  <p:cSld>
+    <p:spTree>
+      <p:nvGrpSpPr>
+        <p:cNvPr id="1" name=""/>
+        <p:cNvGrpSpPr/>
+        <p:nvPr/>
+      </p:nvGrpSpPr>
+      <p:grpSpPr>
+        <a:xfrm>
+          <a:off x="0" y="0"/>
+          <a:ext cx="0" cy="0"/>
+          <a:chOff x="0" y="0"/>
+          <a:chExt cx="0" cy="0"/>
+        </a:xfrm>
+      </p:grpSpPr>
+      <p:sp>
+        <p:nvSpPr>
+          <p:cNvPr id="4" name="직사각형 3">
+            <a:extLst>
+              <a:ext uri="{FF2B5EF4-FFF2-40B4-BE49-F238E27FC236}">
+                <a16:creationId xmlns:a16="http://schemas.microsoft.com/office/drawing/2014/main" id="{6F1BD65C-76DF-4899-9486-2848804900A5}"/>
+              </a:ext>
+            </a:extLst>
+          </p:cNvPr>
+          <p:cNvSpPr/>
+          <p:nvPr/>
+        </p:nvSpPr>
+        <p:spPr>
+          <a:xfrm>
+            <a:off x="1273661" y="1570555"/>
+            <a:ext cx="2449253" cy="45719"/>
+          </a:xfrm>
+          <a:prstGeom prst="rect">
+            <a:avLst/>
+          </a:prstGeom>
+          <a:solidFill>
+            <a:srgbClr val="65AEC4"/>
+          </a:solidFill>
+          <a:ln>
+            <a:noFill/>
+          </a:ln>
+        </p:spPr>
+        <p:style>
+          <a:lnRef idx="2">
+            <a:schemeClr val="accent1">
+              <a:shade val="50000"/>
+            </a:schemeClr>
+          </a:lnRef>
+          <a:fillRef idx="1">
+            <a:schemeClr val="accent1"/>
+          </a:fillRef>
+          <a:effectRef idx="0">
+            <a:schemeClr val="accent1"/>
+          </a:effectRef>
+          <a:fontRef idx="minor">
+            <a:schemeClr val="lt1"/>
+          </a:fontRef>
+        </p:style>
+        <p:txBody>
+          <a:bodyPr rtlCol="0" anchor="ctr"/>
+          <a:lstStyle/>
+          <a:p>
+            <a:pPr algn="ctr"/>
+            <a:endParaRPr lang="ko-KR" altLang="en-US"/>
+          </a:p>
+        </p:txBody>
+      </p:sp>
+      <p:sp>
+        <p:nvSpPr>
+          <p:cNvPr id="5" name="TextBox 4">
+            <a:extLst>
+              <a:ext uri="{FF2B5EF4-FFF2-40B4-BE49-F238E27FC236}">
+                <a16:creationId xmlns:a16="http://schemas.microsoft.com/office/drawing/2014/main" id="{D20EAAB8-83AC-433B-88ED-1F65A878BB01}"/>
+              </a:ext>
+            </a:extLst>
+          </p:cNvPr>
+          <p:cNvSpPr txBox="1"/>
+          <p:nvPr/>
+        </p:nvSpPr>
+        <p:spPr>
+          <a:xfrm>
+            <a:off x="1152359" y="687117"/>
+            <a:ext cx="713657" cy="461665"/>
+          </a:xfrm>
+          <a:prstGeom prst="rect">
+            <a:avLst/>
+          </a:prstGeom>
+          <a:noFill/>
+        </p:spPr>
+        <p:txBody>
+          <a:bodyPr wrap="none" rtlCol="0">
+            <a:spAutoFit/>
+          </a:bodyPr>
+          <a:lstStyle/>
+          <a:p>
+            <a:r>
+              <a:rPr lang="ko-KR" altLang="en-US" sz="2400" dirty="0">
+                <a:solidFill>
+                  <a:schemeClr val="tx1">
+                    <a:lumMod val="85000"/>
+                    <a:lumOff val="15000"/>
+                  </a:schemeClr>
+                </a:solidFill>
+                <a:latin typeface="나눔스퀘어_ac Bold" panose="020B0600000101010101" pitchFamily="50" charset="-127"/>
+                <a:ea typeface="나눔스퀘어_ac Bold" panose="020B0600000101010101" pitchFamily="50" charset="-127"/>
+              </a:rPr>
+              <a:t>실습</a:t>
+            </a:r>
+          </a:p>
+        </p:txBody>
+      </p:sp>
+      <p:cxnSp>
+        <p:nvCxnSpPr>
+          <p:cNvPr id="7" name="직선 연결선 6">
+            <a:extLst>
+              <a:ext uri="{FF2B5EF4-FFF2-40B4-BE49-F238E27FC236}">
+                <a16:creationId xmlns:a16="http://schemas.microsoft.com/office/drawing/2014/main" id="{9795D904-8D9A-474B-BBBE-145A3C63C2A6}"/>
+              </a:ext>
+            </a:extLst>
+          </p:cNvPr>
+          <p:cNvCxnSpPr>
+            <a:cxnSpLocks/>
+          </p:cNvCxnSpPr>
+          <p:nvPr/>
+        </p:nvCxnSpPr>
+        <p:spPr>
+          <a:xfrm>
+            <a:off x="1245321" y="422958"/>
+            <a:ext cx="9701359" cy="0"/>
+          </a:xfrm>
+          <a:prstGeom prst="line">
+            <a:avLst/>
+          </a:prstGeom>
+          <a:ln>
+            <a:solidFill>
+              <a:schemeClr val="tx1">
+                <a:lumMod val="65000"/>
+                <a:lumOff val="35000"/>
+              </a:schemeClr>
+            </a:solidFill>
+          </a:ln>
+        </p:spPr>
+        <p:style>
+          <a:lnRef idx="1">
+            <a:schemeClr val="accent1"/>
+          </a:lnRef>
+          <a:fillRef idx="0">
+            <a:schemeClr val="accent1"/>
+          </a:fillRef>
+          <a:effectRef idx="0">
+            <a:schemeClr val="accent1"/>
+          </a:effectRef>
+          <a:fontRef idx="minor">
+            <a:schemeClr val="tx1"/>
+          </a:fontRef>
+        </p:style>
+      </p:cxnSp>
+      <p:cxnSp>
+        <p:nvCxnSpPr>
+          <p:cNvPr id="8" name="직선 연결선 7">
+            <a:extLst>
+              <a:ext uri="{FF2B5EF4-FFF2-40B4-BE49-F238E27FC236}">
+                <a16:creationId xmlns:a16="http://schemas.microsoft.com/office/drawing/2014/main" id="{47383A8E-E223-4A94-B0BD-61FA56C6CFE9}"/>
+              </a:ext>
+            </a:extLst>
+          </p:cNvPr>
+          <p:cNvCxnSpPr>
+            <a:cxnSpLocks/>
+          </p:cNvCxnSpPr>
+          <p:nvPr/>
+        </p:nvCxnSpPr>
+        <p:spPr>
+          <a:xfrm>
+            <a:off x="1245321" y="6456788"/>
+            <a:ext cx="9701359" cy="0"/>
+          </a:xfrm>
+          <a:prstGeom prst="line">
+            <a:avLst/>
+          </a:prstGeom>
+          <a:ln>
+            <a:solidFill>
+              <a:schemeClr val="tx1">
+                <a:lumMod val="65000"/>
+                <a:lumOff val="35000"/>
+              </a:schemeClr>
+            </a:solidFill>
+          </a:ln>
+        </p:spPr>
+        <p:style>
+          <a:lnRef idx="1">
+            <a:schemeClr val="accent1"/>
+          </a:lnRef>
+          <a:fillRef idx="0">
+            <a:schemeClr val="accent1"/>
+          </a:fillRef>
+          <a:effectRef idx="0">
+            <a:schemeClr val="accent1"/>
+          </a:effectRef>
+          <a:fontRef idx="minor">
+            <a:schemeClr val="tx1"/>
+          </a:fontRef>
+        </p:style>
+      </p:cxnSp>
+      <p:sp>
+        <p:nvSpPr>
+          <p:cNvPr id="9" name="TextBox 8">
+            <a:extLst>
+              <a:ext uri="{FF2B5EF4-FFF2-40B4-BE49-F238E27FC236}">
+                <a16:creationId xmlns:a16="http://schemas.microsoft.com/office/drawing/2014/main" id="{4403B576-CBD0-4A01-A683-B0DD00B23A0E}"/>
+              </a:ext>
+            </a:extLst>
+          </p:cNvPr>
+          <p:cNvSpPr txBox="1"/>
+          <p:nvPr/>
+        </p:nvSpPr>
+        <p:spPr>
+          <a:xfrm>
+            <a:off x="1152359" y="1951672"/>
+            <a:ext cx="3199017" cy="646331"/>
+          </a:xfrm>
+          <a:prstGeom prst="rect">
+            <a:avLst/>
+          </a:prstGeom>
+          <a:noFill/>
+        </p:spPr>
+        <p:txBody>
+          <a:bodyPr wrap="none" rtlCol="0">
+            <a:spAutoFit/>
+          </a:bodyPr>
+          <a:lstStyle/>
+          <a:p>
+            <a:r>
+              <a:rPr lang="ko-KR" altLang="en-US" dirty="0">
+                <a:latin typeface="나눔스퀘어" panose="020B0600000101010101" pitchFamily="50" charset="-127"/>
+                <a:ea typeface="나눔스퀘어" panose="020B0600000101010101" pitchFamily="50" charset="-127"/>
+              </a:rPr>
+              <a:t>문제가 없다면 하단 </a:t>
+            </a:r>
+            <a:r>
+              <a:rPr lang="en-US" altLang="ko-KR" dirty="0">
+                <a:latin typeface="나눔스퀘어" panose="020B0600000101010101" pitchFamily="50" charset="-127"/>
+                <a:ea typeface="나눔스퀘어" panose="020B0600000101010101" pitchFamily="50" charset="-127"/>
+              </a:rPr>
+              <a:t>merge pull </a:t>
+            </a:r>
+          </a:p>
+          <a:p>
+            <a:r>
+              <a:rPr lang="en-US" altLang="ko-KR" dirty="0">
+                <a:latin typeface="나눔스퀘어" panose="020B0600000101010101" pitchFamily="50" charset="-127"/>
+                <a:ea typeface="나눔스퀘어" panose="020B0600000101010101" pitchFamily="50" charset="-127"/>
+              </a:rPr>
+              <a:t>Request </a:t>
+            </a:r>
+            <a:r>
+              <a:rPr lang="ko-KR" altLang="en-US" dirty="0">
+                <a:latin typeface="나눔스퀘어" panose="020B0600000101010101" pitchFamily="50" charset="-127"/>
+                <a:ea typeface="나눔스퀘어" panose="020B0600000101010101" pitchFamily="50" charset="-127"/>
+              </a:rPr>
+              <a:t>버튼을 눌러서 진행</a:t>
+            </a:r>
+            <a:r>
+              <a:rPr lang="en-US" altLang="ko-KR" dirty="0">
+                <a:latin typeface="나눔스퀘어" panose="020B0600000101010101" pitchFamily="50" charset="-127"/>
+                <a:ea typeface="나눔스퀘어" panose="020B0600000101010101" pitchFamily="50" charset="-127"/>
+              </a:rPr>
+              <a:t>.</a:t>
+            </a:r>
+          </a:p>
+        </p:txBody>
+      </p:sp>
+      <p:sp>
+        <p:nvSpPr>
+          <p:cNvPr id="2" name="슬라이드 번호 개체 틀 1">
+            <a:extLst>
+              <a:ext uri="{FF2B5EF4-FFF2-40B4-BE49-F238E27FC236}">
+                <a16:creationId xmlns:a16="http://schemas.microsoft.com/office/drawing/2014/main" id="{5F2F23AE-F309-4AF3-85E1-541BFA9ED2E6}"/>
+              </a:ext>
+            </a:extLst>
+          </p:cNvPr>
+          <p:cNvSpPr>
+            <a:spLocks noGrp="1"/>
+          </p:cNvSpPr>
+          <p:nvPr>
+            <p:ph type="sldNum" sz="quarter" idx="12"/>
+          </p:nvPr>
+        </p:nvSpPr>
+        <p:spPr/>
+        <p:txBody>
+          <a:bodyPr/>
+          <a:lstStyle/>
+          <a:p>
+            <a:fld id="{758F165E-EFC4-4DD6-A02C-F2E949953FB2}" type="slidenum">
+              <a:rPr lang="ko-KR" altLang="en-US" smtClean="0"/>
+              <a:t>20</a:t>
+            </a:fld>
+            <a:endParaRPr lang="ko-KR" altLang="en-US"/>
+          </a:p>
+        </p:txBody>
+      </p:sp>
+      <p:pic>
+        <p:nvPicPr>
+          <p:cNvPr id="11" name="그림 10">
+            <a:extLst>
+              <a:ext uri="{FF2B5EF4-FFF2-40B4-BE49-F238E27FC236}">
+                <a16:creationId xmlns:a16="http://schemas.microsoft.com/office/drawing/2014/main" id="{1F954F64-69D5-4908-B663-E9FB27F1075B}"/>
+              </a:ext>
+            </a:extLst>
+          </p:cNvPr>
+          <p:cNvPicPr>
+            <a:picLocks noChangeAspect="1"/>
+          </p:cNvPicPr>
+          <p:nvPr/>
+        </p:nvPicPr>
+        <p:blipFill>
+          <a:blip r:embed="rId2"/>
+          <a:stretch>
+            <a:fillRect/>
+          </a:stretch>
+        </p:blipFill>
+        <p:spPr>
+          <a:xfrm>
+            <a:off x="4961830" y="1253489"/>
+            <a:ext cx="5493801" cy="4732055"/>
+          </a:xfrm>
+          <a:prstGeom prst="rect">
+            <a:avLst/>
+          </a:prstGeom>
+        </p:spPr>
+      </p:pic>
+    </p:spTree>
+    <p:extLst>
+      <p:ext uri="{BB962C8B-B14F-4D97-AF65-F5344CB8AC3E}">
+        <p14:creationId xmlns:p14="http://schemas.microsoft.com/office/powerpoint/2010/main" val="3501201534"/>
+      </p:ext>
+    </p:extLst>
+  </p:cSld>
+  <p:clrMapOvr>
+    <a:masterClrMapping/>
+  </p:clrMapOvr>
+</p:sld>
+</file>
+
+<file path=ppt/slides/slide21.xml><?xml version="1.0" encoding="utf-8"?>
+<p:sld xmlns:a="http://schemas.openxmlformats.org/drawingml/2006/main" xmlns:r="http://schemas.openxmlformats.org/officeDocument/2006/relationships" xmlns:p="http://schemas.openxmlformats.org/presentationml/2006/main">
+  <p:cSld>
+    <p:spTree>
+      <p:nvGrpSpPr>
+        <p:cNvPr id="1" name=""/>
+        <p:cNvGrpSpPr/>
+        <p:nvPr/>
+      </p:nvGrpSpPr>
+      <p:grpSpPr>
+        <a:xfrm>
+          <a:off x="0" y="0"/>
+          <a:ext cx="0" cy="0"/>
+          <a:chOff x="0" y="0"/>
+          <a:chExt cx="0" cy="0"/>
+        </a:xfrm>
+      </p:grpSpPr>
+      <p:sp>
+        <p:nvSpPr>
+          <p:cNvPr id="4" name="직사각형 3">
+            <a:extLst>
+              <a:ext uri="{FF2B5EF4-FFF2-40B4-BE49-F238E27FC236}">
+                <a16:creationId xmlns:a16="http://schemas.microsoft.com/office/drawing/2014/main" id="{6F1BD65C-76DF-4899-9486-2848804900A5}"/>
+              </a:ext>
+            </a:extLst>
+          </p:cNvPr>
+          <p:cNvSpPr/>
+          <p:nvPr/>
+        </p:nvSpPr>
+        <p:spPr>
+          <a:xfrm>
+            <a:off x="1273661" y="1570555"/>
+            <a:ext cx="2449253" cy="45719"/>
+          </a:xfrm>
+          <a:prstGeom prst="rect">
+            <a:avLst/>
+          </a:prstGeom>
+          <a:solidFill>
+            <a:srgbClr val="65AEC4"/>
+          </a:solidFill>
+          <a:ln>
+            <a:noFill/>
+          </a:ln>
+        </p:spPr>
+        <p:style>
+          <a:lnRef idx="2">
+            <a:schemeClr val="accent1">
+              <a:shade val="50000"/>
+            </a:schemeClr>
+          </a:lnRef>
+          <a:fillRef idx="1">
+            <a:schemeClr val="accent1"/>
+          </a:fillRef>
+          <a:effectRef idx="0">
+            <a:schemeClr val="accent1"/>
+          </a:effectRef>
+          <a:fontRef idx="minor">
+            <a:schemeClr val="lt1"/>
+          </a:fontRef>
+        </p:style>
+        <p:txBody>
+          <a:bodyPr rtlCol="0" anchor="ctr"/>
+          <a:lstStyle/>
+          <a:p>
+            <a:pPr algn="ctr"/>
+            <a:endParaRPr lang="ko-KR" altLang="en-US"/>
+          </a:p>
+        </p:txBody>
+      </p:sp>
+      <p:sp>
+        <p:nvSpPr>
+          <p:cNvPr id="5" name="TextBox 4">
+            <a:extLst>
+              <a:ext uri="{FF2B5EF4-FFF2-40B4-BE49-F238E27FC236}">
+                <a16:creationId xmlns:a16="http://schemas.microsoft.com/office/drawing/2014/main" id="{D20EAAB8-83AC-433B-88ED-1F65A878BB01}"/>
+              </a:ext>
+            </a:extLst>
+          </p:cNvPr>
+          <p:cNvSpPr txBox="1"/>
+          <p:nvPr/>
+        </p:nvSpPr>
+        <p:spPr>
+          <a:xfrm>
+            <a:off x="1152359" y="687117"/>
+            <a:ext cx="713657" cy="461665"/>
+          </a:xfrm>
+          <a:prstGeom prst="rect">
+            <a:avLst/>
+          </a:prstGeom>
+          <a:noFill/>
+        </p:spPr>
+        <p:txBody>
+          <a:bodyPr wrap="none" rtlCol="0">
+            <a:spAutoFit/>
+          </a:bodyPr>
+          <a:lstStyle/>
+          <a:p>
+            <a:r>
+              <a:rPr lang="ko-KR" altLang="en-US" sz="2400" dirty="0">
+                <a:solidFill>
+                  <a:schemeClr val="tx1">
+                    <a:lumMod val="85000"/>
+                    <a:lumOff val="15000"/>
+                  </a:schemeClr>
+                </a:solidFill>
+                <a:latin typeface="나눔스퀘어_ac Bold" panose="020B0600000101010101" pitchFamily="50" charset="-127"/>
+                <a:ea typeface="나눔스퀘어_ac Bold" panose="020B0600000101010101" pitchFamily="50" charset="-127"/>
+              </a:rPr>
+              <a:t>실습</a:t>
+            </a:r>
+          </a:p>
+        </p:txBody>
+      </p:sp>
+      <p:cxnSp>
+        <p:nvCxnSpPr>
+          <p:cNvPr id="7" name="직선 연결선 6">
+            <a:extLst>
+              <a:ext uri="{FF2B5EF4-FFF2-40B4-BE49-F238E27FC236}">
+                <a16:creationId xmlns:a16="http://schemas.microsoft.com/office/drawing/2014/main" id="{9795D904-8D9A-474B-BBBE-145A3C63C2A6}"/>
+              </a:ext>
+            </a:extLst>
+          </p:cNvPr>
+          <p:cNvCxnSpPr>
+            <a:cxnSpLocks/>
+          </p:cNvCxnSpPr>
+          <p:nvPr/>
+        </p:nvCxnSpPr>
+        <p:spPr>
+          <a:xfrm>
+            <a:off x="1245321" y="422958"/>
+            <a:ext cx="9701359" cy="0"/>
+          </a:xfrm>
+          <a:prstGeom prst="line">
+            <a:avLst/>
+          </a:prstGeom>
+          <a:ln>
+            <a:solidFill>
+              <a:schemeClr val="tx1">
+                <a:lumMod val="65000"/>
+                <a:lumOff val="35000"/>
+              </a:schemeClr>
+            </a:solidFill>
+          </a:ln>
+        </p:spPr>
+        <p:style>
+          <a:lnRef idx="1">
+            <a:schemeClr val="accent1"/>
+          </a:lnRef>
+          <a:fillRef idx="0">
+            <a:schemeClr val="accent1"/>
+          </a:fillRef>
+          <a:effectRef idx="0">
+            <a:schemeClr val="accent1"/>
+          </a:effectRef>
+          <a:fontRef idx="minor">
+            <a:schemeClr val="tx1"/>
+          </a:fontRef>
+        </p:style>
+      </p:cxnSp>
+      <p:cxnSp>
+        <p:nvCxnSpPr>
+          <p:cNvPr id="8" name="직선 연결선 7">
+            <a:extLst>
+              <a:ext uri="{FF2B5EF4-FFF2-40B4-BE49-F238E27FC236}">
+                <a16:creationId xmlns:a16="http://schemas.microsoft.com/office/drawing/2014/main" id="{47383A8E-E223-4A94-B0BD-61FA56C6CFE9}"/>
+              </a:ext>
+            </a:extLst>
+          </p:cNvPr>
+          <p:cNvCxnSpPr>
+            <a:cxnSpLocks/>
+          </p:cNvCxnSpPr>
+          <p:nvPr/>
+        </p:nvCxnSpPr>
+        <p:spPr>
+          <a:xfrm>
+            <a:off x="1245321" y="6456788"/>
+            <a:ext cx="9701359" cy="0"/>
+          </a:xfrm>
+          <a:prstGeom prst="line">
+            <a:avLst/>
+          </a:prstGeom>
+          <a:ln>
+            <a:solidFill>
+              <a:schemeClr val="tx1">
+                <a:lumMod val="65000"/>
+                <a:lumOff val="35000"/>
+              </a:schemeClr>
+            </a:solidFill>
+          </a:ln>
+        </p:spPr>
+        <p:style>
+          <a:lnRef idx="1">
+            <a:schemeClr val="accent1"/>
+          </a:lnRef>
+          <a:fillRef idx="0">
+            <a:schemeClr val="accent1"/>
+          </a:fillRef>
+          <a:effectRef idx="0">
+            <a:schemeClr val="accent1"/>
+          </a:effectRef>
+          <a:fontRef idx="minor">
+            <a:schemeClr val="tx1"/>
+          </a:fontRef>
+        </p:style>
+      </p:cxnSp>
+      <p:sp>
+        <p:nvSpPr>
+          <p:cNvPr id="9" name="TextBox 8">
+            <a:extLst>
+              <a:ext uri="{FF2B5EF4-FFF2-40B4-BE49-F238E27FC236}">
+                <a16:creationId xmlns:a16="http://schemas.microsoft.com/office/drawing/2014/main" id="{4403B576-CBD0-4A01-A683-B0DD00B23A0E}"/>
+              </a:ext>
+            </a:extLst>
+          </p:cNvPr>
+          <p:cNvSpPr txBox="1"/>
+          <p:nvPr/>
+        </p:nvSpPr>
+        <p:spPr>
+          <a:xfrm>
+            <a:off x="1152359" y="1951672"/>
+            <a:ext cx="5188087" cy="369332"/>
+          </a:xfrm>
+          <a:prstGeom prst="rect">
+            <a:avLst/>
+          </a:prstGeom>
+          <a:noFill/>
+        </p:spPr>
+        <p:txBody>
+          <a:bodyPr wrap="none" rtlCol="0">
+            <a:spAutoFit/>
+          </a:bodyPr>
+          <a:lstStyle/>
+          <a:p>
+            <a:r>
+              <a:rPr lang="en-US" altLang="ko-KR" dirty="0">
+                <a:latin typeface="나눔스퀘어" panose="020B0600000101010101" pitchFamily="50" charset="-127"/>
+                <a:ea typeface="나눔스퀘어" panose="020B0600000101010101" pitchFamily="50" charset="-127"/>
+              </a:rPr>
+              <a:t>Pull Request </a:t>
+            </a:r>
+            <a:r>
+              <a:rPr lang="ko-KR" altLang="en-US" dirty="0">
+                <a:latin typeface="나눔스퀘어" panose="020B0600000101010101" pitchFamily="50" charset="-127"/>
+                <a:ea typeface="나눔스퀘어" panose="020B0600000101010101" pitchFamily="50" charset="-127"/>
+              </a:rPr>
+              <a:t>가 성공적으로 끝난다면 아래처럼 된다</a:t>
+            </a:r>
+            <a:r>
+              <a:rPr lang="en-US" altLang="ko-KR" dirty="0">
+                <a:latin typeface="나눔스퀘어" panose="020B0600000101010101" pitchFamily="50" charset="-127"/>
+                <a:ea typeface="나눔스퀘어" panose="020B0600000101010101" pitchFamily="50" charset="-127"/>
+              </a:rPr>
+              <a:t>.</a:t>
+            </a:r>
+          </a:p>
+        </p:txBody>
+      </p:sp>
+      <p:sp>
+        <p:nvSpPr>
+          <p:cNvPr id="2" name="슬라이드 번호 개체 틀 1">
+            <a:extLst>
+              <a:ext uri="{FF2B5EF4-FFF2-40B4-BE49-F238E27FC236}">
+                <a16:creationId xmlns:a16="http://schemas.microsoft.com/office/drawing/2014/main" id="{5F2F23AE-F309-4AF3-85E1-541BFA9ED2E6}"/>
+              </a:ext>
+            </a:extLst>
+          </p:cNvPr>
+          <p:cNvSpPr>
+            <a:spLocks noGrp="1"/>
+          </p:cNvSpPr>
+          <p:nvPr>
+            <p:ph type="sldNum" sz="quarter" idx="12"/>
+          </p:nvPr>
+        </p:nvSpPr>
+        <p:spPr/>
+        <p:txBody>
+          <a:bodyPr/>
+          <a:lstStyle/>
+          <a:p>
+            <a:fld id="{758F165E-EFC4-4DD6-A02C-F2E949953FB2}" type="slidenum">
+              <a:rPr lang="ko-KR" altLang="en-US" smtClean="0"/>
+              <a:t>21</a:t>
+            </a:fld>
+            <a:endParaRPr lang="ko-KR" altLang="en-US"/>
+          </a:p>
+        </p:txBody>
+      </p:sp>
+      <p:pic>
+        <p:nvPicPr>
+          <p:cNvPr id="10" name="그림 9">
+            <a:extLst>
+              <a:ext uri="{FF2B5EF4-FFF2-40B4-BE49-F238E27FC236}">
+                <a16:creationId xmlns:a16="http://schemas.microsoft.com/office/drawing/2014/main" id="{E9526C05-1ABD-4142-A34D-303C35A32704}"/>
+              </a:ext>
+            </a:extLst>
+          </p:cNvPr>
+          <p:cNvPicPr>
+            <a:picLocks noChangeAspect="1"/>
+          </p:cNvPicPr>
+          <p:nvPr/>
+        </p:nvPicPr>
+        <p:blipFill>
+          <a:blip r:embed="rId2"/>
+          <a:stretch>
+            <a:fillRect/>
+          </a:stretch>
+        </p:blipFill>
+        <p:spPr>
+          <a:xfrm>
+            <a:off x="1152359" y="3231995"/>
+            <a:ext cx="8943975" cy="1295400"/>
+          </a:xfrm>
+          <a:prstGeom prst="rect">
+            <a:avLst/>
+          </a:prstGeom>
+        </p:spPr>
+      </p:pic>
+    </p:spTree>
+    <p:extLst>
+      <p:ext uri="{BB962C8B-B14F-4D97-AF65-F5344CB8AC3E}">
+        <p14:creationId xmlns:p14="http://schemas.microsoft.com/office/powerpoint/2010/main" val="1012201975"/>
+      </p:ext>
+    </p:extLst>
+  </p:cSld>
+  <p:clrMapOvr>
+    <a:masterClrMapping/>
+  </p:clrMapOvr>
+</p:sld>
+</file>
+
+<file path=ppt/slides/slide22.xml><?xml version="1.0" encoding="utf-8"?>
+<p:sld xmlns:a="http://schemas.openxmlformats.org/drawingml/2006/main" xmlns:r="http://schemas.openxmlformats.org/officeDocument/2006/relationships" xmlns:p="http://schemas.openxmlformats.org/presentationml/2006/main">
+  <p:cSld>
+    <p:spTree>
+      <p:nvGrpSpPr>
+        <p:cNvPr id="1" name=""/>
+        <p:cNvGrpSpPr/>
+        <p:nvPr/>
+      </p:nvGrpSpPr>
+      <p:grpSpPr>
+        <a:xfrm>
+          <a:off x="0" y="0"/>
+          <a:ext cx="0" cy="0"/>
+          <a:chOff x="0" y="0"/>
+          <a:chExt cx="0" cy="0"/>
+        </a:xfrm>
+      </p:grpSpPr>
+      <p:sp>
+        <p:nvSpPr>
+          <p:cNvPr id="4" name="직사각형 3">
+            <a:extLst>
+              <a:ext uri="{FF2B5EF4-FFF2-40B4-BE49-F238E27FC236}">
+                <a16:creationId xmlns:a16="http://schemas.microsoft.com/office/drawing/2014/main" id="{6F1BD65C-76DF-4899-9486-2848804900A5}"/>
+              </a:ext>
+            </a:extLst>
+          </p:cNvPr>
+          <p:cNvSpPr/>
+          <p:nvPr/>
+        </p:nvSpPr>
+        <p:spPr>
+          <a:xfrm>
+            <a:off x="1273661" y="1570555"/>
+            <a:ext cx="2449253" cy="45719"/>
+          </a:xfrm>
+          <a:prstGeom prst="rect">
+            <a:avLst/>
+          </a:prstGeom>
+          <a:solidFill>
+            <a:srgbClr val="65AEC4"/>
+          </a:solidFill>
+          <a:ln>
+            <a:noFill/>
+          </a:ln>
+        </p:spPr>
+        <p:style>
+          <a:lnRef idx="2">
+            <a:schemeClr val="accent1">
+              <a:shade val="50000"/>
+            </a:schemeClr>
+          </a:lnRef>
+          <a:fillRef idx="1">
+            <a:schemeClr val="accent1"/>
+          </a:fillRef>
+          <a:effectRef idx="0">
+            <a:schemeClr val="accent1"/>
+          </a:effectRef>
+          <a:fontRef idx="minor">
+            <a:schemeClr val="lt1"/>
+          </a:fontRef>
+        </p:style>
+        <p:txBody>
+          <a:bodyPr rtlCol="0" anchor="ctr"/>
+          <a:lstStyle/>
+          <a:p>
+            <a:pPr algn="ctr"/>
+            <a:endParaRPr lang="ko-KR" altLang="en-US"/>
+          </a:p>
+        </p:txBody>
+      </p:sp>
+      <p:sp>
+        <p:nvSpPr>
+          <p:cNvPr id="5" name="TextBox 4">
+            <a:extLst>
+              <a:ext uri="{FF2B5EF4-FFF2-40B4-BE49-F238E27FC236}">
+                <a16:creationId xmlns:a16="http://schemas.microsoft.com/office/drawing/2014/main" id="{D20EAAB8-83AC-433B-88ED-1F65A878BB01}"/>
+              </a:ext>
+            </a:extLst>
+          </p:cNvPr>
+          <p:cNvSpPr txBox="1"/>
+          <p:nvPr/>
+        </p:nvSpPr>
+        <p:spPr>
+          <a:xfrm>
+            <a:off x="1152359" y="687117"/>
+            <a:ext cx="713657" cy="461665"/>
+          </a:xfrm>
+          <a:prstGeom prst="rect">
+            <a:avLst/>
+          </a:prstGeom>
+          <a:noFill/>
+        </p:spPr>
+        <p:txBody>
+          <a:bodyPr wrap="none" rtlCol="0">
+            <a:spAutoFit/>
+          </a:bodyPr>
+          <a:lstStyle/>
+          <a:p>
+            <a:r>
+              <a:rPr lang="ko-KR" altLang="en-US" sz="2400" dirty="0">
+                <a:solidFill>
+                  <a:schemeClr val="tx1">
+                    <a:lumMod val="85000"/>
+                    <a:lumOff val="15000"/>
+                  </a:schemeClr>
+                </a:solidFill>
+                <a:latin typeface="나눔스퀘어_ac Bold" panose="020B0600000101010101" pitchFamily="50" charset="-127"/>
+                <a:ea typeface="나눔스퀘어_ac Bold" panose="020B0600000101010101" pitchFamily="50" charset="-127"/>
+              </a:rPr>
+              <a:t>실습</a:t>
+            </a:r>
+          </a:p>
+        </p:txBody>
+      </p:sp>
+      <p:cxnSp>
+        <p:nvCxnSpPr>
+          <p:cNvPr id="7" name="직선 연결선 6">
+            <a:extLst>
+              <a:ext uri="{FF2B5EF4-FFF2-40B4-BE49-F238E27FC236}">
+                <a16:creationId xmlns:a16="http://schemas.microsoft.com/office/drawing/2014/main" id="{9795D904-8D9A-474B-BBBE-145A3C63C2A6}"/>
+              </a:ext>
+            </a:extLst>
+          </p:cNvPr>
+          <p:cNvCxnSpPr>
+            <a:cxnSpLocks/>
+          </p:cNvCxnSpPr>
+          <p:nvPr/>
+        </p:nvCxnSpPr>
+        <p:spPr>
+          <a:xfrm>
+            <a:off x="1245321" y="422958"/>
+            <a:ext cx="9701359" cy="0"/>
+          </a:xfrm>
+          <a:prstGeom prst="line">
+            <a:avLst/>
+          </a:prstGeom>
+          <a:ln>
+            <a:solidFill>
+              <a:schemeClr val="tx1">
+                <a:lumMod val="65000"/>
+                <a:lumOff val="35000"/>
+              </a:schemeClr>
+            </a:solidFill>
+          </a:ln>
+        </p:spPr>
+        <p:style>
+          <a:lnRef idx="1">
+            <a:schemeClr val="accent1"/>
+          </a:lnRef>
+          <a:fillRef idx="0">
+            <a:schemeClr val="accent1"/>
+          </a:fillRef>
+          <a:effectRef idx="0">
+            <a:schemeClr val="accent1"/>
+          </a:effectRef>
+          <a:fontRef idx="minor">
+            <a:schemeClr val="tx1"/>
+          </a:fontRef>
+        </p:style>
+      </p:cxnSp>
+      <p:cxnSp>
+        <p:nvCxnSpPr>
+          <p:cNvPr id="8" name="직선 연결선 7">
+            <a:extLst>
+              <a:ext uri="{FF2B5EF4-FFF2-40B4-BE49-F238E27FC236}">
+                <a16:creationId xmlns:a16="http://schemas.microsoft.com/office/drawing/2014/main" id="{47383A8E-E223-4A94-B0BD-61FA56C6CFE9}"/>
+              </a:ext>
+            </a:extLst>
+          </p:cNvPr>
+          <p:cNvCxnSpPr>
+            <a:cxnSpLocks/>
+          </p:cNvCxnSpPr>
+          <p:nvPr/>
+        </p:nvCxnSpPr>
+        <p:spPr>
+          <a:xfrm>
+            <a:off x="1245321" y="6456788"/>
+            <a:ext cx="9701359" cy="0"/>
+          </a:xfrm>
+          <a:prstGeom prst="line">
+            <a:avLst/>
+          </a:prstGeom>
+          <a:ln>
+            <a:solidFill>
+              <a:schemeClr val="tx1">
+                <a:lumMod val="65000"/>
+                <a:lumOff val="35000"/>
+              </a:schemeClr>
+            </a:solidFill>
+          </a:ln>
+        </p:spPr>
+        <p:style>
+          <a:lnRef idx="1">
+            <a:schemeClr val="accent1"/>
+          </a:lnRef>
+          <a:fillRef idx="0">
+            <a:schemeClr val="accent1"/>
+          </a:fillRef>
+          <a:effectRef idx="0">
+            <a:schemeClr val="accent1"/>
+          </a:effectRef>
+          <a:fontRef idx="minor">
+            <a:schemeClr val="tx1"/>
+          </a:fontRef>
+        </p:style>
+      </p:cxnSp>
+      <p:sp>
+        <p:nvSpPr>
+          <p:cNvPr id="9" name="TextBox 8">
+            <a:extLst>
+              <a:ext uri="{FF2B5EF4-FFF2-40B4-BE49-F238E27FC236}">
+                <a16:creationId xmlns:a16="http://schemas.microsoft.com/office/drawing/2014/main" id="{4403B576-CBD0-4A01-A683-B0DD00B23A0E}"/>
+              </a:ext>
+            </a:extLst>
+          </p:cNvPr>
+          <p:cNvSpPr txBox="1"/>
+          <p:nvPr/>
+        </p:nvSpPr>
+        <p:spPr>
+          <a:xfrm>
+            <a:off x="1152359" y="1951672"/>
+            <a:ext cx="4801314" cy="369332"/>
+          </a:xfrm>
+          <a:prstGeom prst="rect">
+            <a:avLst/>
+          </a:prstGeom>
+          <a:noFill/>
+        </p:spPr>
+        <p:txBody>
+          <a:bodyPr wrap="none" rtlCol="0">
+            <a:spAutoFit/>
+          </a:bodyPr>
+          <a:lstStyle/>
+          <a:p>
+            <a:r>
+              <a:rPr lang="en-US" altLang="ko-KR" dirty="0">
+                <a:latin typeface="나눔스퀘어" panose="020B0600000101010101" pitchFamily="50" charset="-127"/>
+                <a:ea typeface="나눔스퀘어" panose="020B0600000101010101" pitchFamily="50" charset="-127"/>
+              </a:rPr>
+              <a:t>Pull </a:t>
+            </a:r>
+            <a:r>
+              <a:rPr lang="ko-KR" altLang="en-US" dirty="0">
+                <a:latin typeface="나눔스퀘어" panose="020B0600000101010101" pitchFamily="50" charset="-127"/>
+                <a:ea typeface="나눔스퀘어" panose="020B0600000101010101" pitchFamily="50" charset="-127"/>
+              </a:rPr>
+              <a:t>버튼을 눌러서 아래처럼 되는지 확인 해 보자</a:t>
+            </a:r>
+            <a:r>
+              <a:rPr lang="en-US" altLang="ko-KR" dirty="0">
+                <a:latin typeface="나눔스퀘어" panose="020B0600000101010101" pitchFamily="50" charset="-127"/>
+                <a:ea typeface="나눔스퀘어" panose="020B0600000101010101" pitchFamily="50" charset="-127"/>
+              </a:rPr>
+              <a:t>.</a:t>
+            </a:r>
+          </a:p>
+        </p:txBody>
+      </p:sp>
+      <p:sp>
+        <p:nvSpPr>
+          <p:cNvPr id="2" name="슬라이드 번호 개체 틀 1">
+            <a:extLst>
+              <a:ext uri="{FF2B5EF4-FFF2-40B4-BE49-F238E27FC236}">
+                <a16:creationId xmlns:a16="http://schemas.microsoft.com/office/drawing/2014/main" id="{5F2F23AE-F309-4AF3-85E1-541BFA9ED2E6}"/>
+              </a:ext>
+            </a:extLst>
+          </p:cNvPr>
+          <p:cNvSpPr>
+            <a:spLocks noGrp="1"/>
+          </p:cNvSpPr>
+          <p:nvPr>
+            <p:ph type="sldNum" sz="quarter" idx="12"/>
+          </p:nvPr>
+        </p:nvSpPr>
+        <p:spPr/>
+        <p:txBody>
+          <a:bodyPr/>
+          <a:lstStyle/>
+          <a:p>
+            <a:fld id="{758F165E-EFC4-4DD6-A02C-F2E949953FB2}" type="slidenum">
+              <a:rPr lang="ko-KR" altLang="en-US" smtClean="0"/>
+              <a:t>22</a:t>
+            </a:fld>
+            <a:endParaRPr lang="ko-KR" altLang="en-US"/>
+          </a:p>
+        </p:txBody>
+      </p:sp>
+      <p:pic>
+        <p:nvPicPr>
+          <p:cNvPr id="13" name="그림 12">
+            <a:extLst>
+              <a:ext uri="{FF2B5EF4-FFF2-40B4-BE49-F238E27FC236}">
+                <a16:creationId xmlns:a16="http://schemas.microsoft.com/office/drawing/2014/main" id="{CD8DAA6B-3590-4CA2-A2AC-0C3DBB197FC1}"/>
+              </a:ext>
+            </a:extLst>
+          </p:cNvPr>
+          <p:cNvPicPr>
+            <a:picLocks noChangeAspect="1"/>
+          </p:cNvPicPr>
+          <p:nvPr/>
+        </p:nvPicPr>
+        <p:blipFill>
+          <a:blip r:embed="rId2"/>
+          <a:stretch>
+            <a:fillRect/>
+          </a:stretch>
+        </p:blipFill>
+        <p:spPr>
+          <a:xfrm>
+            <a:off x="979764" y="2484984"/>
+            <a:ext cx="10571876" cy="2962544"/>
+          </a:xfrm>
+          <a:prstGeom prst="rect">
+            <a:avLst/>
+          </a:prstGeom>
+        </p:spPr>
+      </p:pic>
+    </p:spTree>
+    <p:extLst>
+      <p:ext uri="{BB962C8B-B14F-4D97-AF65-F5344CB8AC3E}">
+        <p14:creationId xmlns:p14="http://schemas.microsoft.com/office/powerpoint/2010/main" val="858099521"/>
+      </p:ext>
+    </p:extLst>
+  </p:cSld>
+  <p:clrMapOvr>
+    <a:masterClrMapping/>
+  </p:clrMapOvr>
+</p:sld>
+</file>
+
+<file path=ppt/slides/slide23.xml><?xml version="1.0" encoding="utf-8"?>
+<p:sld xmlns:a="http://schemas.openxmlformats.org/drawingml/2006/main" xmlns:r="http://schemas.openxmlformats.org/officeDocument/2006/relationships" xmlns:p="http://schemas.openxmlformats.org/presentationml/2006/main">
+  <p:cSld>
+    <p:spTree>
+      <p:nvGrpSpPr>
+        <p:cNvPr id="1" name=""/>
+        <p:cNvGrpSpPr/>
+        <p:nvPr/>
+      </p:nvGrpSpPr>
+      <p:grpSpPr>
+        <a:xfrm>
+          <a:off x="0" y="0"/>
+          <a:ext cx="0" cy="0"/>
+          <a:chOff x="0" y="0"/>
+          <a:chExt cx="0" cy="0"/>
+        </a:xfrm>
+      </p:grpSpPr>
+      <p:sp>
+        <p:nvSpPr>
+          <p:cNvPr id="4" name="직사각형 3">
+            <a:extLst>
+              <a:ext uri="{FF2B5EF4-FFF2-40B4-BE49-F238E27FC236}">
+                <a16:creationId xmlns:a16="http://schemas.microsoft.com/office/drawing/2014/main" id="{6F1BD65C-76DF-4899-9486-2848804900A5}"/>
+              </a:ext>
+            </a:extLst>
+          </p:cNvPr>
+          <p:cNvSpPr/>
+          <p:nvPr/>
+        </p:nvSpPr>
+        <p:spPr>
+          <a:xfrm>
+            <a:off x="4871371" y="3867312"/>
+            <a:ext cx="2449253" cy="45719"/>
+          </a:xfrm>
+          <a:prstGeom prst="rect">
+            <a:avLst/>
+          </a:prstGeom>
+          <a:solidFill>
+            <a:srgbClr val="65AEC4"/>
+          </a:solidFill>
+          <a:ln>
+            <a:noFill/>
+          </a:ln>
+        </p:spPr>
+        <p:style>
+          <a:lnRef idx="2">
+            <a:schemeClr val="accent1">
+              <a:shade val="50000"/>
+            </a:schemeClr>
+          </a:lnRef>
+          <a:fillRef idx="1">
+            <a:schemeClr val="accent1"/>
+          </a:fillRef>
+          <a:effectRef idx="0">
+            <a:schemeClr val="accent1"/>
+          </a:effectRef>
+          <a:fontRef idx="minor">
+            <a:schemeClr val="lt1"/>
+          </a:fontRef>
+        </p:style>
+        <p:txBody>
+          <a:bodyPr rtlCol="0" anchor="ctr"/>
+          <a:lstStyle/>
+          <a:p>
+            <a:pPr algn="ctr"/>
+            <a:endParaRPr lang="ko-KR" altLang="en-US"/>
+          </a:p>
+        </p:txBody>
+      </p:sp>
+      <p:cxnSp>
+        <p:nvCxnSpPr>
+          <p:cNvPr id="7" name="직선 연결선 6">
+            <a:extLst>
+              <a:ext uri="{FF2B5EF4-FFF2-40B4-BE49-F238E27FC236}">
+                <a16:creationId xmlns:a16="http://schemas.microsoft.com/office/drawing/2014/main" id="{9795D904-8D9A-474B-BBBE-145A3C63C2A6}"/>
+              </a:ext>
+            </a:extLst>
+          </p:cNvPr>
+          <p:cNvCxnSpPr>
+            <a:cxnSpLocks/>
+          </p:cNvCxnSpPr>
+          <p:nvPr/>
+        </p:nvCxnSpPr>
+        <p:spPr>
+          <a:xfrm>
+            <a:off x="1245321" y="422958"/>
+            <a:ext cx="9701359" cy="0"/>
+          </a:xfrm>
+          <a:prstGeom prst="line">
+            <a:avLst/>
+          </a:prstGeom>
+          <a:ln>
+            <a:solidFill>
+              <a:schemeClr val="tx1">
+                <a:lumMod val="65000"/>
+                <a:lumOff val="35000"/>
+              </a:schemeClr>
+            </a:solidFill>
+          </a:ln>
+        </p:spPr>
+        <p:style>
+          <a:lnRef idx="1">
+            <a:schemeClr val="accent1"/>
+          </a:lnRef>
+          <a:fillRef idx="0">
+            <a:schemeClr val="accent1"/>
+          </a:fillRef>
+          <a:effectRef idx="0">
+            <a:schemeClr val="accent1"/>
+          </a:effectRef>
+          <a:fontRef idx="minor">
+            <a:schemeClr val="tx1"/>
+          </a:fontRef>
+        </p:style>
+      </p:cxnSp>
+      <p:cxnSp>
+        <p:nvCxnSpPr>
+          <p:cNvPr id="8" name="직선 연결선 7">
+            <a:extLst>
+              <a:ext uri="{FF2B5EF4-FFF2-40B4-BE49-F238E27FC236}">
+                <a16:creationId xmlns:a16="http://schemas.microsoft.com/office/drawing/2014/main" id="{47383A8E-E223-4A94-B0BD-61FA56C6CFE9}"/>
+              </a:ext>
+            </a:extLst>
+          </p:cNvPr>
+          <p:cNvCxnSpPr>
+            <a:cxnSpLocks/>
+          </p:cNvCxnSpPr>
+          <p:nvPr/>
+        </p:nvCxnSpPr>
+        <p:spPr>
+          <a:xfrm>
+            <a:off x="1245321" y="6456788"/>
+            <a:ext cx="9701359" cy="0"/>
+          </a:xfrm>
+          <a:prstGeom prst="line">
+            <a:avLst/>
+          </a:prstGeom>
+          <a:ln>
+            <a:solidFill>
+              <a:schemeClr val="tx1">
+                <a:lumMod val="65000"/>
+                <a:lumOff val="35000"/>
+              </a:schemeClr>
+            </a:solidFill>
+          </a:ln>
+        </p:spPr>
+        <p:style>
+          <a:lnRef idx="1">
+            <a:schemeClr val="accent1"/>
+          </a:lnRef>
+          <a:fillRef idx="0">
+            <a:schemeClr val="accent1"/>
+          </a:fillRef>
+          <a:effectRef idx="0">
+            <a:schemeClr val="accent1"/>
+          </a:effectRef>
+          <a:fontRef idx="minor">
+            <a:schemeClr val="tx1"/>
+          </a:fontRef>
+        </p:style>
+      </p:cxnSp>
+      <p:sp>
+        <p:nvSpPr>
+          <p:cNvPr id="9" name="TextBox 8">
+            <a:extLst>
+              <a:ext uri="{FF2B5EF4-FFF2-40B4-BE49-F238E27FC236}">
+                <a16:creationId xmlns:a16="http://schemas.microsoft.com/office/drawing/2014/main" id="{4403B576-CBD0-4A01-A683-B0DD00B23A0E}"/>
+              </a:ext>
+            </a:extLst>
+          </p:cNvPr>
+          <p:cNvSpPr txBox="1"/>
+          <p:nvPr/>
+        </p:nvSpPr>
+        <p:spPr>
+          <a:xfrm>
+            <a:off x="4743160" y="3255207"/>
+            <a:ext cx="2705677" cy="369332"/>
+          </a:xfrm>
+          <a:prstGeom prst="rect">
+            <a:avLst/>
+          </a:prstGeom>
+          <a:noFill/>
+        </p:spPr>
+        <p:txBody>
+          <a:bodyPr wrap="none" rtlCol="0">
+            <a:spAutoFit/>
+          </a:bodyPr>
+          <a:lstStyle/>
+          <a:p>
+            <a:r>
+              <a:rPr lang="en-US" altLang="ko-KR" dirty="0">
+                <a:latin typeface="나눔스퀘어" panose="020B0600000101010101" pitchFamily="50" charset="-127"/>
+                <a:ea typeface="나눔스퀘어" panose="020B0600000101010101" pitchFamily="50" charset="-127"/>
+              </a:rPr>
+              <a:t>Thank you for watching.</a:t>
+            </a:r>
+          </a:p>
+        </p:txBody>
+      </p:sp>
+      <p:sp>
+        <p:nvSpPr>
+          <p:cNvPr id="2" name="슬라이드 번호 개체 틀 1">
+            <a:extLst>
+              <a:ext uri="{FF2B5EF4-FFF2-40B4-BE49-F238E27FC236}">
+                <a16:creationId xmlns:a16="http://schemas.microsoft.com/office/drawing/2014/main" id="{2DD924CF-FC99-4C0D-82AE-BBF8ABD4A4B3}"/>
+              </a:ext>
+            </a:extLst>
+          </p:cNvPr>
+          <p:cNvSpPr>
+            <a:spLocks noGrp="1"/>
+          </p:cNvSpPr>
+          <p:nvPr>
+            <p:ph type="sldNum" sz="quarter" idx="12"/>
+          </p:nvPr>
+        </p:nvSpPr>
+        <p:spPr/>
+        <p:txBody>
+          <a:bodyPr/>
+          <a:lstStyle/>
+          <a:p>
+            <a:fld id="{758F165E-EFC4-4DD6-A02C-F2E949953FB2}" type="slidenum">
+              <a:rPr lang="ko-KR" altLang="en-US" smtClean="0"/>
+              <a:t>23</a:t>
+            </a:fld>
+            <a:endParaRPr lang="ko-KR" altLang="en-US"/>
+          </a:p>
+        </p:txBody>
+      </p:sp>
+    </p:spTree>
+    <p:extLst>
+      <p:ext uri="{BB962C8B-B14F-4D97-AF65-F5344CB8AC3E}">
+        <p14:creationId xmlns:p14="http://schemas.microsoft.com/office/powerpoint/2010/main" val="364490297"/>
       </p:ext>
     </p:extLst>
   </p:cSld>
